--- a/Papier1/Figures1.pptx
+++ b/Papier1/Figures1.pptx
@@ -21,29 +21,29 @@
 <file path=ppt/comments/comment1.xml><?xml version="1.0" encoding="utf-8"?>
 <p:cmLst xmlns:p="http://schemas.openxmlformats.org/presentationml/2006/main">
   <p:cm authorId="0" dt="2021-09-28T10:06:43.000000000" idx="1">
-    <p:pos x="3417" y="2912"/>
+    <p:pos x="3239" y="2879"/>
     <p:text>I’ll change the title and replace Acquired resistance that is too subtile by IDHi resistance and add a cricle or a square to highlight the top right genes (like RELA, MYC etc.)
 Maybe put a zoom in the bottom right corner of the top right plot</p:text>
   </p:cm>
   <p:cm authorId="0" dt="2021-09-28T10:04:16.000000000" idx="2">
-    <p:pos x="-36" y="6190"/>
+    <p:pos x="0" y="6118"/>
     <p:text>RELA expression in KOICHI cohort</p:text>
   </p:cm>
   <p:cm authorId="0" dt="2021-09-28T10:04:30.000000000" idx="3">
-    <p:pos x="798" y="6212"/>
+    <p:pos x="720" y="6118"/>
     <p:text>RELA expression in Verhaak cohort</p:text>
   </p:cm>
   <p:cm authorId="0" dt="2021-09-28T10:04:41.000000000" idx="4">
-    <p:pos x="1697" y="6212"/>
+    <p:pos x="1799" y="6118"/>
     <p:text>MYC in Koichi</p:text>
   </p:cm>
   <p:cm authorId="0" dt="2021-09-28T10:04:52.000000000" idx="5">
-    <p:pos x="2612" y="6212"/>
+    <p:pos x="2519" y="6118"/>
     <p:text>MYC in Verhaak</p:text>
   </p:cm>
   <p:cm authorId="0" dt="2021-09-28T10:05:59.000000000" idx="6">
-    <p:pos x="3490" y="5598"/>
-    <p:text>I’ll try to combine the boxplot but maybe tricky as it’s not the same axis scale between the 2 cohort. </p:text>
+    <p:pos x="3599" y="5758"/>
+    <p:text>I’ll try to combine the boxplot but maybe tricky as it’s not the same axis scale between the 2 cohort.</p:text>
   </p:cm>
 </p:cmLst>
 </file>
@@ -89,7 +89,7 @@
       </p:grpSpPr>
       <p:sp>
         <p:nvSpPr>
-          <p:cNvPr id="26" name="PlaceHolder 1"/>
+          <p:cNvPr id="23" name="PlaceHolder 1"/>
           <p:cNvSpPr>
             <a:spLocks noGrp="1"/>
           </p:cNvSpPr>
@@ -99,8 +99,8 @@
         </p:nvSpPr>
         <p:spPr>
           <a:xfrm>
-            <a:off x="283320" y="133560"/>
-            <a:ext cx="5102640" cy="2219400"/>
+            <a:off x="283320" y="402120"/>
+            <a:ext cx="5103000" cy="1683000"/>
           </a:xfrm>
           <a:prstGeom prst="rect">
             <a:avLst/>
@@ -112,15 +112,15 @@
           </a:bodyPr>
           <a:p>
             <a:pPr algn="ctr"/>
-            <a:endParaRPr b="0" lang="en-US" sz="7819" spc="-1" strike="noStrike">
-              <a:latin typeface="Arial"/>
-            </a:endParaRPr>
-          </a:p>
-        </p:txBody>
-      </p:sp>
-      <p:sp>
-        <p:nvSpPr>
-          <p:cNvPr id="27" name="PlaceHolder 2"/>
+            <a:endParaRPr b="0" lang="en-US" sz="4400" spc="-1" strike="noStrike">
+              <a:latin typeface="Arial"/>
+            </a:endParaRPr>
+          </a:p>
+        </p:txBody>
+      </p:sp>
+      <p:sp>
+        <p:nvSpPr>
+          <p:cNvPr id="24" name="PlaceHolder 2"/>
           <p:cNvSpPr>
             <a:spLocks noGrp="1"/>
           </p:cNvSpPr>
@@ -130,8 +130,8 @@
         </p:nvSpPr>
         <p:spPr>
           <a:xfrm>
-            <a:off x="283320" y="2358360"/>
-            <a:ext cx="5102640" cy="2788200"/>
+            <a:off x="283320" y="2358720"/>
+            <a:ext cx="5103000" cy="2788560"/>
           </a:xfrm>
           <a:prstGeom prst="rect">
             <a:avLst/>
@@ -142,15 +142,15 @@
             <a:normAutofit/>
           </a:bodyPr>
           <a:p>
-            <a:endParaRPr b="0" lang="en-US" sz="5690" spc="-1" strike="noStrike">
-              <a:latin typeface="Arial"/>
-            </a:endParaRPr>
-          </a:p>
-        </p:txBody>
-      </p:sp>
-      <p:sp>
-        <p:nvSpPr>
-          <p:cNvPr id="28" name="PlaceHolder 3"/>
+            <a:endParaRPr b="0" lang="en-US" sz="3200" spc="-1" strike="noStrike">
+              <a:latin typeface="Arial"/>
+            </a:endParaRPr>
+          </a:p>
+        </p:txBody>
+      </p:sp>
+      <p:sp>
+        <p:nvSpPr>
+          <p:cNvPr id="25" name="PlaceHolder 3"/>
           <p:cNvSpPr>
             <a:spLocks noGrp="1"/>
           </p:cNvSpPr>
@@ -160,8 +160,8 @@
         </p:nvSpPr>
         <p:spPr>
           <a:xfrm>
-            <a:off x="283320" y="5411880"/>
-            <a:ext cx="5102640" cy="2788200"/>
+            <a:off x="283320" y="5412600"/>
+            <a:ext cx="5103000" cy="2788560"/>
           </a:xfrm>
           <a:prstGeom prst="rect">
             <a:avLst/>
@@ -172,7 +172,7 @@
             <a:normAutofit/>
           </a:bodyPr>
           <a:p>
-            <a:endParaRPr b="0" lang="en-US" sz="5690" spc="-1" strike="noStrike">
+            <a:endParaRPr b="0" lang="en-US" sz="3200" spc="-1" strike="noStrike">
               <a:latin typeface="Arial"/>
             </a:endParaRPr>
           </a:p>
@@ -202,7 +202,7 @@
       </p:grpSpPr>
       <p:sp>
         <p:nvSpPr>
-          <p:cNvPr id="29" name="PlaceHolder 1"/>
+          <p:cNvPr id="26" name="PlaceHolder 1"/>
           <p:cNvSpPr>
             <a:spLocks noGrp="1"/>
           </p:cNvSpPr>
@@ -212,8 +212,8 @@
         </p:nvSpPr>
         <p:spPr>
           <a:xfrm>
-            <a:off x="283320" y="133560"/>
-            <a:ext cx="5102640" cy="2219400"/>
+            <a:off x="283320" y="402120"/>
+            <a:ext cx="5103000" cy="1683000"/>
           </a:xfrm>
           <a:prstGeom prst="rect">
             <a:avLst/>
@@ -225,15 +225,15 @@
           </a:bodyPr>
           <a:p>
             <a:pPr algn="ctr"/>
-            <a:endParaRPr b="0" lang="en-US" sz="7819" spc="-1" strike="noStrike">
-              <a:latin typeface="Arial"/>
-            </a:endParaRPr>
-          </a:p>
-        </p:txBody>
-      </p:sp>
-      <p:sp>
-        <p:nvSpPr>
-          <p:cNvPr id="30" name="PlaceHolder 2"/>
+            <a:endParaRPr b="0" lang="en-US" sz="4400" spc="-1" strike="noStrike">
+              <a:latin typeface="Arial"/>
+            </a:endParaRPr>
+          </a:p>
+        </p:txBody>
+      </p:sp>
+      <p:sp>
+        <p:nvSpPr>
+          <p:cNvPr id="27" name="PlaceHolder 2"/>
           <p:cNvSpPr>
             <a:spLocks noGrp="1"/>
           </p:cNvSpPr>
@@ -243,8 +243,8 @@
         </p:nvSpPr>
         <p:spPr>
           <a:xfrm>
-            <a:off x="283320" y="2358360"/>
-            <a:ext cx="2489760" cy="2788200"/>
+            <a:off x="283320" y="2358720"/>
+            <a:ext cx="2490120" cy="2788560"/>
           </a:xfrm>
           <a:prstGeom prst="rect">
             <a:avLst/>
@@ -255,15 +255,15 @@
             <a:normAutofit/>
           </a:bodyPr>
           <a:p>
-            <a:endParaRPr b="0" lang="en-US" sz="5690" spc="-1" strike="noStrike">
-              <a:latin typeface="Arial"/>
-            </a:endParaRPr>
-          </a:p>
-        </p:txBody>
-      </p:sp>
-      <p:sp>
-        <p:nvSpPr>
-          <p:cNvPr id="31" name="PlaceHolder 3"/>
+            <a:endParaRPr b="0" lang="en-US" sz="3200" spc="-1" strike="noStrike">
+              <a:latin typeface="Arial"/>
+            </a:endParaRPr>
+          </a:p>
+        </p:txBody>
+      </p:sp>
+      <p:sp>
+        <p:nvSpPr>
+          <p:cNvPr id="28" name="PlaceHolder 3"/>
           <p:cNvSpPr>
             <a:spLocks noGrp="1"/>
           </p:cNvSpPr>
@@ -273,8 +273,8 @@
         </p:nvSpPr>
         <p:spPr>
           <a:xfrm>
-            <a:off x="2898000" y="2358360"/>
-            <a:ext cx="2489760" cy="2788200"/>
+            <a:off x="2898360" y="2358720"/>
+            <a:ext cx="2490120" cy="2788560"/>
           </a:xfrm>
           <a:prstGeom prst="rect">
             <a:avLst/>
@@ -285,15 +285,15 @@
             <a:normAutofit/>
           </a:bodyPr>
           <a:p>
-            <a:endParaRPr b="0" lang="en-US" sz="5690" spc="-1" strike="noStrike">
-              <a:latin typeface="Arial"/>
-            </a:endParaRPr>
-          </a:p>
-        </p:txBody>
-      </p:sp>
-      <p:sp>
-        <p:nvSpPr>
-          <p:cNvPr id="32" name="PlaceHolder 4"/>
+            <a:endParaRPr b="0" lang="en-US" sz="3200" spc="-1" strike="noStrike">
+              <a:latin typeface="Arial"/>
+            </a:endParaRPr>
+          </a:p>
+        </p:txBody>
+      </p:sp>
+      <p:sp>
+        <p:nvSpPr>
+          <p:cNvPr id="29" name="PlaceHolder 4"/>
           <p:cNvSpPr>
             <a:spLocks noGrp="1"/>
           </p:cNvSpPr>
@@ -303,8 +303,8 @@
         </p:nvSpPr>
         <p:spPr>
           <a:xfrm>
-            <a:off x="283320" y="5411880"/>
-            <a:ext cx="2489760" cy="2788200"/>
+            <a:off x="283320" y="5412600"/>
+            <a:ext cx="2490120" cy="2788560"/>
           </a:xfrm>
           <a:prstGeom prst="rect">
             <a:avLst/>
@@ -315,15 +315,15 @@
             <a:normAutofit/>
           </a:bodyPr>
           <a:p>
-            <a:endParaRPr b="0" lang="en-US" sz="5690" spc="-1" strike="noStrike">
-              <a:latin typeface="Arial"/>
-            </a:endParaRPr>
-          </a:p>
-        </p:txBody>
-      </p:sp>
-      <p:sp>
-        <p:nvSpPr>
-          <p:cNvPr id="33" name="PlaceHolder 5"/>
+            <a:endParaRPr b="0" lang="en-US" sz="3200" spc="-1" strike="noStrike">
+              <a:latin typeface="Arial"/>
+            </a:endParaRPr>
+          </a:p>
+        </p:txBody>
+      </p:sp>
+      <p:sp>
+        <p:nvSpPr>
+          <p:cNvPr id="30" name="PlaceHolder 5"/>
           <p:cNvSpPr>
             <a:spLocks noGrp="1"/>
           </p:cNvSpPr>
@@ -333,8 +333,8 @@
         </p:nvSpPr>
         <p:spPr>
           <a:xfrm>
-            <a:off x="2898000" y="5411880"/>
-            <a:ext cx="2489760" cy="2788200"/>
+            <a:off x="2898360" y="5412600"/>
+            <a:ext cx="2490120" cy="2788560"/>
           </a:xfrm>
           <a:prstGeom prst="rect">
             <a:avLst/>
@@ -345,7 +345,7 @@
             <a:normAutofit/>
           </a:bodyPr>
           <a:p>
-            <a:endParaRPr b="0" lang="en-US" sz="5690" spc="-1" strike="noStrike">
+            <a:endParaRPr b="0" lang="en-US" sz="3200" spc="-1" strike="noStrike">
               <a:latin typeface="Arial"/>
             </a:endParaRPr>
           </a:p>
@@ -375,7 +375,7 @@
       </p:grpSpPr>
       <p:sp>
         <p:nvSpPr>
-          <p:cNvPr id="34" name="PlaceHolder 1"/>
+          <p:cNvPr id="31" name="PlaceHolder 1"/>
           <p:cNvSpPr>
             <a:spLocks noGrp="1"/>
           </p:cNvSpPr>
@@ -385,8 +385,8 @@
         </p:nvSpPr>
         <p:spPr>
           <a:xfrm>
-            <a:off x="283320" y="133560"/>
-            <a:ext cx="5102640" cy="2219400"/>
+            <a:off x="283320" y="402120"/>
+            <a:ext cx="5103000" cy="1683000"/>
           </a:xfrm>
           <a:prstGeom prst="rect">
             <a:avLst/>
@@ -398,15 +398,15 @@
           </a:bodyPr>
           <a:p>
             <a:pPr algn="ctr"/>
-            <a:endParaRPr b="0" lang="en-US" sz="7819" spc="-1" strike="noStrike">
-              <a:latin typeface="Arial"/>
-            </a:endParaRPr>
-          </a:p>
-        </p:txBody>
-      </p:sp>
-      <p:sp>
-        <p:nvSpPr>
-          <p:cNvPr id="35" name="PlaceHolder 2"/>
+            <a:endParaRPr b="0" lang="en-US" sz="4400" spc="-1" strike="noStrike">
+              <a:latin typeface="Arial"/>
+            </a:endParaRPr>
+          </a:p>
+        </p:txBody>
+      </p:sp>
+      <p:sp>
+        <p:nvSpPr>
+          <p:cNvPr id="32" name="PlaceHolder 2"/>
           <p:cNvSpPr>
             <a:spLocks noGrp="1"/>
           </p:cNvSpPr>
@@ -416,8 +416,8 @@
         </p:nvSpPr>
         <p:spPr>
           <a:xfrm>
-            <a:off x="283320" y="2358360"/>
-            <a:ext cx="1642680" cy="2788200"/>
+            <a:off x="283320" y="2358720"/>
+            <a:ext cx="1643040" cy="2788560"/>
           </a:xfrm>
           <a:prstGeom prst="rect">
             <a:avLst/>
@@ -425,18 +425,18 @@
         </p:spPr>
         <p:txBody>
           <a:bodyPr lIns="0" rIns="0" tIns="0" bIns="0">
-            <a:normAutofit fontScale="56000"/>
-          </a:bodyPr>
-          <a:p>
-            <a:endParaRPr b="0" lang="en-US" sz="5690" spc="-1" strike="noStrike">
-              <a:latin typeface="Arial"/>
-            </a:endParaRPr>
-          </a:p>
-        </p:txBody>
-      </p:sp>
-      <p:sp>
-        <p:nvSpPr>
-          <p:cNvPr id="36" name="PlaceHolder 3"/>
+            <a:normAutofit/>
+          </a:bodyPr>
+          <a:p>
+            <a:endParaRPr b="0" lang="en-US" sz="3200" spc="-1" strike="noStrike">
+              <a:latin typeface="Arial"/>
+            </a:endParaRPr>
+          </a:p>
+        </p:txBody>
+      </p:sp>
+      <p:sp>
+        <p:nvSpPr>
+          <p:cNvPr id="33" name="PlaceHolder 3"/>
           <p:cNvSpPr>
             <a:spLocks noGrp="1"/>
           </p:cNvSpPr>
@@ -446,8 +446,8 @@
         </p:nvSpPr>
         <p:spPr>
           <a:xfrm>
-            <a:off x="2008440" y="2358360"/>
-            <a:ext cx="1642680" cy="2788200"/>
+            <a:off x="2008800" y="2358720"/>
+            <a:ext cx="1643040" cy="2788560"/>
           </a:xfrm>
           <a:prstGeom prst="rect">
             <a:avLst/>
@@ -455,18 +455,18 @@
         </p:spPr>
         <p:txBody>
           <a:bodyPr lIns="0" rIns="0" tIns="0" bIns="0">
-            <a:normAutofit fontScale="56000"/>
-          </a:bodyPr>
-          <a:p>
-            <a:endParaRPr b="0" lang="en-US" sz="5690" spc="-1" strike="noStrike">
-              <a:latin typeface="Arial"/>
-            </a:endParaRPr>
-          </a:p>
-        </p:txBody>
-      </p:sp>
-      <p:sp>
-        <p:nvSpPr>
-          <p:cNvPr id="37" name="PlaceHolder 4"/>
+            <a:normAutofit/>
+          </a:bodyPr>
+          <a:p>
+            <a:endParaRPr b="0" lang="en-US" sz="3200" spc="-1" strike="noStrike">
+              <a:latin typeface="Arial"/>
+            </a:endParaRPr>
+          </a:p>
+        </p:txBody>
+      </p:sp>
+      <p:sp>
+        <p:nvSpPr>
+          <p:cNvPr id="34" name="PlaceHolder 4"/>
           <p:cNvSpPr>
             <a:spLocks noGrp="1"/>
           </p:cNvSpPr>
@@ -476,8 +476,8 @@
         </p:nvSpPr>
         <p:spPr>
           <a:xfrm>
-            <a:off x="3733560" y="2358360"/>
-            <a:ext cx="1642680" cy="2788200"/>
+            <a:off x="3734640" y="2358720"/>
+            <a:ext cx="1643040" cy="2788560"/>
           </a:xfrm>
           <a:prstGeom prst="rect">
             <a:avLst/>
@@ -485,18 +485,18 @@
         </p:spPr>
         <p:txBody>
           <a:bodyPr lIns="0" rIns="0" tIns="0" bIns="0">
-            <a:normAutofit fontScale="56000"/>
-          </a:bodyPr>
-          <a:p>
-            <a:endParaRPr b="0" lang="en-US" sz="5690" spc="-1" strike="noStrike">
-              <a:latin typeface="Arial"/>
-            </a:endParaRPr>
-          </a:p>
-        </p:txBody>
-      </p:sp>
-      <p:sp>
-        <p:nvSpPr>
-          <p:cNvPr id="38" name="PlaceHolder 5"/>
+            <a:normAutofit/>
+          </a:bodyPr>
+          <a:p>
+            <a:endParaRPr b="0" lang="en-US" sz="3200" spc="-1" strike="noStrike">
+              <a:latin typeface="Arial"/>
+            </a:endParaRPr>
+          </a:p>
+        </p:txBody>
+      </p:sp>
+      <p:sp>
+        <p:nvSpPr>
+          <p:cNvPr id="35" name="PlaceHolder 5"/>
           <p:cNvSpPr>
             <a:spLocks noGrp="1"/>
           </p:cNvSpPr>
@@ -506,8 +506,8 @@
         </p:nvSpPr>
         <p:spPr>
           <a:xfrm>
-            <a:off x="283320" y="5411880"/>
-            <a:ext cx="1642680" cy="2788200"/>
+            <a:off x="283320" y="5412600"/>
+            <a:ext cx="1643040" cy="2788560"/>
           </a:xfrm>
           <a:prstGeom prst="rect">
             <a:avLst/>
@@ -515,18 +515,18 @@
         </p:spPr>
         <p:txBody>
           <a:bodyPr lIns="0" rIns="0" tIns="0" bIns="0">
-            <a:normAutofit fontScale="56000"/>
-          </a:bodyPr>
-          <a:p>
-            <a:endParaRPr b="0" lang="en-US" sz="5690" spc="-1" strike="noStrike">
-              <a:latin typeface="Arial"/>
-            </a:endParaRPr>
-          </a:p>
-        </p:txBody>
-      </p:sp>
-      <p:sp>
-        <p:nvSpPr>
-          <p:cNvPr id="39" name="PlaceHolder 6"/>
+            <a:normAutofit/>
+          </a:bodyPr>
+          <a:p>
+            <a:endParaRPr b="0" lang="en-US" sz="3200" spc="-1" strike="noStrike">
+              <a:latin typeface="Arial"/>
+            </a:endParaRPr>
+          </a:p>
+        </p:txBody>
+      </p:sp>
+      <p:sp>
+        <p:nvSpPr>
+          <p:cNvPr id="36" name="PlaceHolder 6"/>
           <p:cNvSpPr>
             <a:spLocks noGrp="1"/>
           </p:cNvSpPr>
@@ -536,8 +536,8 @@
         </p:nvSpPr>
         <p:spPr>
           <a:xfrm>
-            <a:off x="2008440" y="5411880"/>
-            <a:ext cx="1642680" cy="2788200"/>
+            <a:off x="2008800" y="5412600"/>
+            <a:ext cx="1643040" cy="2788560"/>
           </a:xfrm>
           <a:prstGeom prst="rect">
             <a:avLst/>
@@ -545,18 +545,18 @@
         </p:spPr>
         <p:txBody>
           <a:bodyPr lIns="0" rIns="0" tIns="0" bIns="0">
-            <a:normAutofit fontScale="56000"/>
-          </a:bodyPr>
-          <a:p>
-            <a:endParaRPr b="0" lang="en-US" sz="5690" spc="-1" strike="noStrike">
-              <a:latin typeface="Arial"/>
-            </a:endParaRPr>
-          </a:p>
-        </p:txBody>
-      </p:sp>
-      <p:sp>
-        <p:nvSpPr>
-          <p:cNvPr id="40" name="PlaceHolder 7"/>
+            <a:normAutofit/>
+          </a:bodyPr>
+          <a:p>
+            <a:endParaRPr b="0" lang="en-US" sz="3200" spc="-1" strike="noStrike">
+              <a:latin typeface="Arial"/>
+            </a:endParaRPr>
+          </a:p>
+        </p:txBody>
+      </p:sp>
+      <p:sp>
+        <p:nvSpPr>
+          <p:cNvPr id="37" name="PlaceHolder 7"/>
           <p:cNvSpPr>
             <a:spLocks noGrp="1"/>
           </p:cNvSpPr>
@@ -566,8 +566,8 @@
         </p:nvSpPr>
         <p:spPr>
           <a:xfrm>
-            <a:off x="3733560" y="5411880"/>
-            <a:ext cx="1642680" cy="2788200"/>
+            <a:off x="3734640" y="5412600"/>
+            <a:ext cx="1643040" cy="2788560"/>
           </a:xfrm>
           <a:prstGeom prst="rect">
             <a:avLst/>
@@ -575,10 +575,10 @@
         </p:spPr>
         <p:txBody>
           <a:bodyPr lIns="0" rIns="0" tIns="0" bIns="0">
-            <a:normAutofit fontScale="56000"/>
-          </a:bodyPr>
-          <a:p>
-            <a:endParaRPr b="0" lang="en-US" sz="5690" spc="-1" strike="noStrike">
+            <a:normAutofit/>
+          </a:bodyPr>
+          <a:p>
+            <a:endParaRPr b="0" lang="en-US" sz="3200" spc="-1" strike="noStrike">
               <a:latin typeface="Arial"/>
             </a:endParaRPr>
           </a:p>
@@ -608,7 +608,7 @@
       </p:grpSpPr>
       <p:sp>
         <p:nvSpPr>
-          <p:cNvPr id="5" name="PlaceHolder 1"/>
+          <p:cNvPr id="2" name="PlaceHolder 1"/>
           <p:cNvSpPr>
             <a:spLocks noGrp="1"/>
           </p:cNvSpPr>
@@ -618,8 +618,8 @@
         </p:nvSpPr>
         <p:spPr>
           <a:xfrm>
-            <a:off x="283320" y="133560"/>
-            <a:ext cx="5102640" cy="2219400"/>
+            <a:off x="283320" y="402120"/>
+            <a:ext cx="5103000" cy="1683000"/>
           </a:xfrm>
           <a:prstGeom prst="rect">
             <a:avLst/>
@@ -631,15 +631,15 @@
           </a:bodyPr>
           <a:p>
             <a:pPr algn="ctr"/>
-            <a:endParaRPr b="0" lang="en-US" sz="7819" spc="-1" strike="noStrike">
-              <a:latin typeface="Arial"/>
-            </a:endParaRPr>
-          </a:p>
-        </p:txBody>
-      </p:sp>
-      <p:sp>
-        <p:nvSpPr>
-          <p:cNvPr id="6" name="PlaceHolder 2"/>
+            <a:endParaRPr b="0" lang="en-US" sz="4400" spc="-1" strike="noStrike">
+              <a:latin typeface="Arial"/>
+            </a:endParaRPr>
+          </a:p>
+        </p:txBody>
+      </p:sp>
+      <p:sp>
+        <p:nvSpPr>
+          <p:cNvPr id="3" name="PlaceHolder 2"/>
           <p:cNvSpPr>
             <a:spLocks noGrp="1"/>
           </p:cNvSpPr>
@@ -649,8 +649,8 @@
         </p:nvSpPr>
         <p:spPr>
           <a:xfrm>
-            <a:off x="283320" y="2358360"/>
-            <a:ext cx="5102640" cy="5845680"/>
+            <a:off x="283320" y="2358720"/>
+            <a:ext cx="5103000" cy="5846400"/>
           </a:xfrm>
           <a:prstGeom prst="rect">
             <a:avLst/>
@@ -692,7 +692,7 @@
       </p:grpSpPr>
       <p:sp>
         <p:nvSpPr>
-          <p:cNvPr id="7" name="PlaceHolder 1"/>
+          <p:cNvPr id="4" name="PlaceHolder 1"/>
           <p:cNvSpPr>
             <a:spLocks noGrp="1"/>
           </p:cNvSpPr>
@@ -702,8 +702,8 @@
         </p:nvSpPr>
         <p:spPr>
           <a:xfrm>
-            <a:off x="283320" y="133560"/>
-            <a:ext cx="5102640" cy="2219400"/>
+            <a:off x="283320" y="402120"/>
+            <a:ext cx="5103000" cy="1683000"/>
           </a:xfrm>
           <a:prstGeom prst="rect">
             <a:avLst/>
@@ -715,15 +715,15 @@
           </a:bodyPr>
           <a:p>
             <a:pPr algn="ctr"/>
-            <a:endParaRPr b="0" lang="en-US" sz="7819" spc="-1" strike="noStrike">
-              <a:latin typeface="Arial"/>
-            </a:endParaRPr>
-          </a:p>
-        </p:txBody>
-      </p:sp>
-      <p:sp>
-        <p:nvSpPr>
-          <p:cNvPr id="8" name="PlaceHolder 2"/>
+            <a:endParaRPr b="0" lang="en-US" sz="4400" spc="-1" strike="noStrike">
+              <a:latin typeface="Arial"/>
+            </a:endParaRPr>
+          </a:p>
+        </p:txBody>
+      </p:sp>
+      <p:sp>
+        <p:nvSpPr>
+          <p:cNvPr id="5" name="PlaceHolder 2"/>
           <p:cNvSpPr>
             <a:spLocks noGrp="1"/>
           </p:cNvSpPr>
@@ -733,8 +733,8 @@
         </p:nvSpPr>
         <p:spPr>
           <a:xfrm>
-            <a:off x="283320" y="2358360"/>
-            <a:ext cx="5102640" cy="5845680"/>
+            <a:off x="283320" y="2358720"/>
+            <a:ext cx="5103000" cy="5846400"/>
           </a:xfrm>
           <a:prstGeom prst="rect">
             <a:avLst/>
@@ -745,7 +745,7 @@
             <a:normAutofit/>
           </a:bodyPr>
           <a:p>
-            <a:endParaRPr b="0" lang="en-US" sz="5690" spc="-1" strike="noStrike">
+            <a:endParaRPr b="0" lang="en-US" sz="3200" spc="-1" strike="noStrike">
               <a:latin typeface="Arial"/>
             </a:endParaRPr>
           </a:p>
@@ -775,7 +775,7 @@
       </p:grpSpPr>
       <p:sp>
         <p:nvSpPr>
-          <p:cNvPr id="9" name="PlaceHolder 1"/>
+          <p:cNvPr id="6" name="PlaceHolder 1"/>
           <p:cNvSpPr>
             <a:spLocks noGrp="1"/>
           </p:cNvSpPr>
@@ -785,8 +785,8 @@
         </p:nvSpPr>
         <p:spPr>
           <a:xfrm>
-            <a:off x="283320" y="133560"/>
-            <a:ext cx="5102640" cy="2219400"/>
+            <a:off x="283320" y="402120"/>
+            <a:ext cx="5103000" cy="1683000"/>
           </a:xfrm>
           <a:prstGeom prst="rect">
             <a:avLst/>
@@ -798,15 +798,15 @@
           </a:bodyPr>
           <a:p>
             <a:pPr algn="ctr"/>
-            <a:endParaRPr b="0" lang="en-US" sz="7819" spc="-1" strike="noStrike">
-              <a:latin typeface="Arial"/>
-            </a:endParaRPr>
-          </a:p>
-        </p:txBody>
-      </p:sp>
-      <p:sp>
-        <p:nvSpPr>
-          <p:cNvPr id="10" name="PlaceHolder 2"/>
+            <a:endParaRPr b="0" lang="en-US" sz="4400" spc="-1" strike="noStrike">
+              <a:latin typeface="Arial"/>
+            </a:endParaRPr>
+          </a:p>
+        </p:txBody>
+      </p:sp>
+      <p:sp>
+        <p:nvSpPr>
+          <p:cNvPr id="7" name="PlaceHolder 2"/>
           <p:cNvSpPr>
             <a:spLocks noGrp="1"/>
           </p:cNvSpPr>
@@ -816,8 +816,8 @@
         </p:nvSpPr>
         <p:spPr>
           <a:xfrm>
-            <a:off x="283320" y="2358360"/>
-            <a:ext cx="2489760" cy="5845680"/>
+            <a:off x="283320" y="2358720"/>
+            <a:ext cx="2490120" cy="5846400"/>
           </a:xfrm>
           <a:prstGeom prst="rect">
             <a:avLst/>
@@ -828,15 +828,15 @@
             <a:normAutofit/>
           </a:bodyPr>
           <a:p>
-            <a:endParaRPr b="0" lang="en-US" sz="5690" spc="-1" strike="noStrike">
-              <a:latin typeface="Arial"/>
-            </a:endParaRPr>
-          </a:p>
-        </p:txBody>
-      </p:sp>
-      <p:sp>
-        <p:nvSpPr>
-          <p:cNvPr id="11" name="PlaceHolder 3"/>
+            <a:endParaRPr b="0" lang="en-US" sz="3200" spc="-1" strike="noStrike">
+              <a:latin typeface="Arial"/>
+            </a:endParaRPr>
+          </a:p>
+        </p:txBody>
+      </p:sp>
+      <p:sp>
+        <p:nvSpPr>
+          <p:cNvPr id="8" name="PlaceHolder 3"/>
           <p:cNvSpPr>
             <a:spLocks noGrp="1"/>
           </p:cNvSpPr>
@@ -846,8 +846,8 @@
         </p:nvSpPr>
         <p:spPr>
           <a:xfrm>
-            <a:off x="2898000" y="2358360"/>
-            <a:ext cx="2489760" cy="5845680"/>
+            <a:off x="2898360" y="2358720"/>
+            <a:ext cx="2490120" cy="5846400"/>
           </a:xfrm>
           <a:prstGeom prst="rect">
             <a:avLst/>
@@ -858,7 +858,7 @@
             <a:normAutofit/>
           </a:bodyPr>
           <a:p>
-            <a:endParaRPr b="0" lang="en-US" sz="5690" spc="-1" strike="noStrike">
+            <a:endParaRPr b="0" lang="en-US" sz="3200" spc="-1" strike="noStrike">
               <a:latin typeface="Arial"/>
             </a:endParaRPr>
           </a:p>
@@ -888,7 +888,7 @@
       </p:grpSpPr>
       <p:sp>
         <p:nvSpPr>
-          <p:cNvPr id="12" name="PlaceHolder 1"/>
+          <p:cNvPr id="9" name="PlaceHolder 1"/>
           <p:cNvSpPr>
             <a:spLocks noGrp="1"/>
           </p:cNvSpPr>
@@ -898,8 +898,8 @@
         </p:nvSpPr>
         <p:spPr>
           <a:xfrm>
-            <a:off x="283320" y="133560"/>
-            <a:ext cx="5102640" cy="2219400"/>
+            <a:off x="283320" y="402120"/>
+            <a:ext cx="5103000" cy="1683000"/>
           </a:xfrm>
           <a:prstGeom prst="rect">
             <a:avLst/>
@@ -911,7 +911,7 @@
           </a:bodyPr>
           <a:p>
             <a:pPr algn="ctr"/>
-            <a:endParaRPr b="0" lang="en-US" sz="7819" spc="-1" strike="noStrike">
+            <a:endParaRPr b="0" lang="en-US" sz="4400" spc="-1" strike="noStrike">
               <a:latin typeface="Arial"/>
             </a:endParaRPr>
           </a:p>
@@ -941,7 +941,7 @@
       </p:grpSpPr>
       <p:sp>
         <p:nvSpPr>
-          <p:cNvPr id="13" name="PlaceHolder 1"/>
+          <p:cNvPr id="10" name="PlaceHolder 1"/>
           <p:cNvSpPr>
             <a:spLocks noGrp="1"/>
           </p:cNvSpPr>
@@ -951,8 +951,8 @@
         </p:nvSpPr>
         <p:spPr>
           <a:xfrm>
-            <a:off x="283320" y="401760"/>
-            <a:ext cx="5102640" cy="7800840"/>
+            <a:off x="283320" y="402120"/>
+            <a:ext cx="5103000" cy="7802640"/>
           </a:xfrm>
           <a:prstGeom prst="rect">
             <a:avLst/>
@@ -994,7 +994,7 @@
       </p:grpSpPr>
       <p:sp>
         <p:nvSpPr>
-          <p:cNvPr id="14" name="PlaceHolder 1"/>
+          <p:cNvPr id="11" name="PlaceHolder 1"/>
           <p:cNvSpPr>
             <a:spLocks noGrp="1"/>
           </p:cNvSpPr>
@@ -1004,8 +1004,8 @@
         </p:nvSpPr>
         <p:spPr>
           <a:xfrm>
-            <a:off x="283320" y="133560"/>
-            <a:ext cx="5102640" cy="2219400"/>
+            <a:off x="283320" y="402120"/>
+            <a:ext cx="5103000" cy="1683000"/>
           </a:xfrm>
           <a:prstGeom prst="rect">
             <a:avLst/>
@@ -1017,15 +1017,15 @@
           </a:bodyPr>
           <a:p>
             <a:pPr algn="ctr"/>
-            <a:endParaRPr b="0" lang="en-US" sz="7819" spc="-1" strike="noStrike">
-              <a:latin typeface="Arial"/>
-            </a:endParaRPr>
-          </a:p>
-        </p:txBody>
-      </p:sp>
-      <p:sp>
-        <p:nvSpPr>
-          <p:cNvPr id="15" name="PlaceHolder 2"/>
+            <a:endParaRPr b="0" lang="en-US" sz="4400" spc="-1" strike="noStrike">
+              <a:latin typeface="Arial"/>
+            </a:endParaRPr>
+          </a:p>
+        </p:txBody>
+      </p:sp>
+      <p:sp>
+        <p:nvSpPr>
+          <p:cNvPr id="12" name="PlaceHolder 2"/>
           <p:cNvSpPr>
             <a:spLocks noGrp="1"/>
           </p:cNvSpPr>
@@ -1035,8 +1035,8 @@
         </p:nvSpPr>
         <p:spPr>
           <a:xfrm>
-            <a:off x="283320" y="2358360"/>
-            <a:ext cx="2489760" cy="2788200"/>
+            <a:off x="283320" y="2358720"/>
+            <a:ext cx="2490120" cy="2788560"/>
           </a:xfrm>
           <a:prstGeom prst="rect">
             <a:avLst/>
@@ -1047,15 +1047,15 @@
             <a:normAutofit/>
           </a:bodyPr>
           <a:p>
-            <a:endParaRPr b="0" lang="en-US" sz="5690" spc="-1" strike="noStrike">
-              <a:latin typeface="Arial"/>
-            </a:endParaRPr>
-          </a:p>
-        </p:txBody>
-      </p:sp>
-      <p:sp>
-        <p:nvSpPr>
-          <p:cNvPr id="16" name="PlaceHolder 3"/>
+            <a:endParaRPr b="0" lang="en-US" sz="3200" spc="-1" strike="noStrike">
+              <a:latin typeface="Arial"/>
+            </a:endParaRPr>
+          </a:p>
+        </p:txBody>
+      </p:sp>
+      <p:sp>
+        <p:nvSpPr>
+          <p:cNvPr id="13" name="PlaceHolder 3"/>
           <p:cNvSpPr>
             <a:spLocks noGrp="1"/>
           </p:cNvSpPr>
@@ -1065,8 +1065,8 @@
         </p:nvSpPr>
         <p:spPr>
           <a:xfrm>
-            <a:off x="2898000" y="2358360"/>
-            <a:ext cx="2489760" cy="5845680"/>
+            <a:off x="2898360" y="2358720"/>
+            <a:ext cx="2490120" cy="5846400"/>
           </a:xfrm>
           <a:prstGeom prst="rect">
             <a:avLst/>
@@ -1077,15 +1077,15 @@
             <a:normAutofit/>
           </a:bodyPr>
           <a:p>
-            <a:endParaRPr b="0" lang="en-US" sz="5690" spc="-1" strike="noStrike">
-              <a:latin typeface="Arial"/>
-            </a:endParaRPr>
-          </a:p>
-        </p:txBody>
-      </p:sp>
-      <p:sp>
-        <p:nvSpPr>
-          <p:cNvPr id="17" name="PlaceHolder 4"/>
+            <a:endParaRPr b="0" lang="en-US" sz="3200" spc="-1" strike="noStrike">
+              <a:latin typeface="Arial"/>
+            </a:endParaRPr>
+          </a:p>
+        </p:txBody>
+      </p:sp>
+      <p:sp>
+        <p:nvSpPr>
+          <p:cNvPr id="14" name="PlaceHolder 4"/>
           <p:cNvSpPr>
             <a:spLocks noGrp="1"/>
           </p:cNvSpPr>
@@ -1095,8 +1095,8 @@
         </p:nvSpPr>
         <p:spPr>
           <a:xfrm>
-            <a:off x="283320" y="5411880"/>
-            <a:ext cx="2489760" cy="2788200"/>
+            <a:off x="283320" y="5412600"/>
+            <a:ext cx="2490120" cy="2788560"/>
           </a:xfrm>
           <a:prstGeom prst="rect">
             <a:avLst/>
@@ -1107,7 +1107,7 @@
             <a:normAutofit/>
           </a:bodyPr>
           <a:p>
-            <a:endParaRPr b="0" lang="en-US" sz="5690" spc="-1" strike="noStrike">
+            <a:endParaRPr b="0" lang="en-US" sz="3200" spc="-1" strike="noStrike">
               <a:latin typeface="Arial"/>
             </a:endParaRPr>
           </a:p>
@@ -1137,7 +1137,7 @@
       </p:grpSpPr>
       <p:sp>
         <p:nvSpPr>
-          <p:cNvPr id="18" name="PlaceHolder 1"/>
+          <p:cNvPr id="15" name="PlaceHolder 1"/>
           <p:cNvSpPr>
             <a:spLocks noGrp="1"/>
           </p:cNvSpPr>
@@ -1147,8 +1147,8 @@
         </p:nvSpPr>
         <p:spPr>
           <a:xfrm>
-            <a:off x="283320" y="133560"/>
-            <a:ext cx="5102640" cy="2219400"/>
+            <a:off x="283320" y="402120"/>
+            <a:ext cx="5103000" cy="1683000"/>
           </a:xfrm>
           <a:prstGeom prst="rect">
             <a:avLst/>
@@ -1160,15 +1160,15 @@
           </a:bodyPr>
           <a:p>
             <a:pPr algn="ctr"/>
-            <a:endParaRPr b="0" lang="en-US" sz="7819" spc="-1" strike="noStrike">
-              <a:latin typeface="Arial"/>
-            </a:endParaRPr>
-          </a:p>
-        </p:txBody>
-      </p:sp>
-      <p:sp>
-        <p:nvSpPr>
-          <p:cNvPr id="19" name="PlaceHolder 2"/>
+            <a:endParaRPr b="0" lang="en-US" sz="4400" spc="-1" strike="noStrike">
+              <a:latin typeface="Arial"/>
+            </a:endParaRPr>
+          </a:p>
+        </p:txBody>
+      </p:sp>
+      <p:sp>
+        <p:nvSpPr>
+          <p:cNvPr id="16" name="PlaceHolder 2"/>
           <p:cNvSpPr>
             <a:spLocks noGrp="1"/>
           </p:cNvSpPr>
@@ -1178,8 +1178,8 @@
         </p:nvSpPr>
         <p:spPr>
           <a:xfrm>
-            <a:off x="283320" y="2358360"/>
-            <a:ext cx="2489760" cy="5845680"/>
+            <a:off x="283320" y="2358720"/>
+            <a:ext cx="2490120" cy="5846400"/>
           </a:xfrm>
           <a:prstGeom prst="rect">
             <a:avLst/>
@@ -1190,15 +1190,15 @@
             <a:normAutofit/>
           </a:bodyPr>
           <a:p>
-            <a:endParaRPr b="0" lang="en-US" sz="5690" spc="-1" strike="noStrike">
-              <a:latin typeface="Arial"/>
-            </a:endParaRPr>
-          </a:p>
-        </p:txBody>
-      </p:sp>
-      <p:sp>
-        <p:nvSpPr>
-          <p:cNvPr id="20" name="PlaceHolder 3"/>
+            <a:endParaRPr b="0" lang="en-US" sz="3200" spc="-1" strike="noStrike">
+              <a:latin typeface="Arial"/>
+            </a:endParaRPr>
+          </a:p>
+        </p:txBody>
+      </p:sp>
+      <p:sp>
+        <p:nvSpPr>
+          <p:cNvPr id="17" name="PlaceHolder 3"/>
           <p:cNvSpPr>
             <a:spLocks noGrp="1"/>
           </p:cNvSpPr>
@@ -1208,8 +1208,8 @@
         </p:nvSpPr>
         <p:spPr>
           <a:xfrm>
-            <a:off x="2898000" y="2358360"/>
-            <a:ext cx="2489760" cy="2788200"/>
+            <a:off x="2898360" y="2358720"/>
+            <a:ext cx="2490120" cy="2788560"/>
           </a:xfrm>
           <a:prstGeom prst="rect">
             <a:avLst/>
@@ -1220,15 +1220,15 @@
             <a:normAutofit/>
           </a:bodyPr>
           <a:p>
-            <a:endParaRPr b="0" lang="en-US" sz="5690" spc="-1" strike="noStrike">
-              <a:latin typeface="Arial"/>
-            </a:endParaRPr>
-          </a:p>
-        </p:txBody>
-      </p:sp>
-      <p:sp>
-        <p:nvSpPr>
-          <p:cNvPr id="21" name="PlaceHolder 4"/>
+            <a:endParaRPr b="0" lang="en-US" sz="3200" spc="-1" strike="noStrike">
+              <a:latin typeface="Arial"/>
+            </a:endParaRPr>
+          </a:p>
+        </p:txBody>
+      </p:sp>
+      <p:sp>
+        <p:nvSpPr>
+          <p:cNvPr id="18" name="PlaceHolder 4"/>
           <p:cNvSpPr>
             <a:spLocks noGrp="1"/>
           </p:cNvSpPr>
@@ -1238,8 +1238,8 @@
         </p:nvSpPr>
         <p:spPr>
           <a:xfrm>
-            <a:off x="2898000" y="5411880"/>
-            <a:ext cx="2489760" cy="2788200"/>
+            <a:off x="2898360" y="5412600"/>
+            <a:ext cx="2490120" cy="2788560"/>
           </a:xfrm>
           <a:prstGeom prst="rect">
             <a:avLst/>
@@ -1250,7 +1250,7 @@
             <a:normAutofit/>
           </a:bodyPr>
           <a:p>
-            <a:endParaRPr b="0" lang="en-US" sz="5690" spc="-1" strike="noStrike">
+            <a:endParaRPr b="0" lang="en-US" sz="3200" spc="-1" strike="noStrike">
               <a:latin typeface="Arial"/>
             </a:endParaRPr>
           </a:p>
@@ -1280,7 +1280,7 @@
       </p:grpSpPr>
       <p:sp>
         <p:nvSpPr>
-          <p:cNvPr id="22" name="PlaceHolder 1"/>
+          <p:cNvPr id="19" name="PlaceHolder 1"/>
           <p:cNvSpPr>
             <a:spLocks noGrp="1"/>
           </p:cNvSpPr>
@@ -1290,8 +1290,8 @@
         </p:nvSpPr>
         <p:spPr>
           <a:xfrm>
-            <a:off x="283320" y="133560"/>
-            <a:ext cx="5102640" cy="2219400"/>
+            <a:off x="283320" y="402120"/>
+            <a:ext cx="5103000" cy="1683000"/>
           </a:xfrm>
           <a:prstGeom prst="rect">
             <a:avLst/>
@@ -1303,15 +1303,15 @@
           </a:bodyPr>
           <a:p>
             <a:pPr algn="ctr"/>
-            <a:endParaRPr b="0" lang="en-US" sz="7819" spc="-1" strike="noStrike">
-              <a:latin typeface="Arial"/>
-            </a:endParaRPr>
-          </a:p>
-        </p:txBody>
-      </p:sp>
-      <p:sp>
-        <p:nvSpPr>
-          <p:cNvPr id="23" name="PlaceHolder 2"/>
+            <a:endParaRPr b="0" lang="en-US" sz="4400" spc="-1" strike="noStrike">
+              <a:latin typeface="Arial"/>
+            </a:endParaRPr>
+          </a:p>
+        </p:txBody>
+      </p:sp>
+      <p:sp>
+        <p:nvSpPr>
+          <p:cNvPr id="20" name="PlaceHolder 2"/>
           <p:cNvSpPr>
             <a:spLocks noGrp="1"/>
           </p:cNvSpPr>
@@ -1321,8 +1321,8 @@
         </p:nvSpPr>
         <p:spPr>
           <a:xfrm>
-            <a:off x="283320" y="2358360"/>
-            <a:ext cx="2489760" cy="2788200"/>
+            <a:off x="283320" y="2358720"/>
+            <a:ext cx="2490120" cy="2788560"/>
           </a:xfrm>
           <a:prstGeom prst="rect">
             <a:avLst/>
@@ -1333,15 +1333,15 @@
             <a:normAutofit/>
           </a:bodyPr>
           <a:p>
-            <a:endParaRPr b="0" lang="en-US" sz="5690" spc="-1" strike="noStrike">
-              <a:latin typeface="Arial"/>
-            </a:endParaRPr>
-          </a:p>
-        </p:txBody>
-      </p:sp>
-      <p:sp>
-        <p:nvSpPr>
-          <p:cNvPr id="24" name="PlaceHolder 3"/>
+            <a:endParaRPr b="0" lang="en-US" sz="3200" spc="-1" strike="noStrike">
+              <a:latin typeface="Arial"/>
+            </a:endParaRPr>
+          </a:p>
+        </p:txBody>
+      </p:sp>
+      <p:sp>
+        <p:nvSpPr>
+          <p:cNvPr id="21" name="PlaceHolder 3"/>
           <p:cNvSpPr>
             <a:spLocks noGrp="1"/>
           </p:cNvSpPr>
@@ -1351,8 +1351,8 @@
         </p:nvSpPr>
         <p:spPr>
           <a:xfrm>
-            <a:off x="2898000" y="2358360"/>
-            <a:ext cx="2489760" cy="2788200"/>
+            <a:off x="2898360" y="2358720"/>
+            <a:ext cx="2490120" cy="2788560"/>
           </a:xfrm>
           <a:prstGeom prst="rect">
             <a:avLst/>
@@ -1363,15 +1363,15 @@
             <a:normAutofit/>
           </a:bodyPr>
           <a:p>
-            <a:endParaRPr b="0" lang="en-US" sz="5690" spc="-1" strike="noStrike">
-              <a:latin typeface="Arial"/>
-            </a:endParaRPr>
-          </a:p>
-        </p:txBody>
-      </p:sp>
-      <p:sp>
-        <p:nvSpPr>
-          <p:cNvPr id="25" name="PlaceHolder 4"/>
+            <a:endParaRPr b="0" lang="en-US" sz="3200" spc="-1" strike="noStrike">
+              <a:latin typeface="Arial"/>
+            </a:endParaRPr>
+          </a:p>
+        </p:txBody>
+      </p:sp>
+      <p:sp>
+        <p:nvSpPr>
+          <p:cNvPr id="22" name="PlaceHolder 4"/>
           <p:cNvSpPr>
             <a:spLocks noGrp="1"/>
           </p:cNvSpPr>
@@ -1381,8 +1381,8 @@
         </p:nvSpPr>
         <p:spPr>
           <a:xfrm>
-            <a:off x="283320" y="5411880"/>
-            <a:ext cx="5102640" cy="2788200"/>
+            <a:off x="283320" y="5412600"/>
+            <a:ext cx="5103000" cy="2788560"/>
           </a:xfrm>
           <a:prstGeom prst="rect">
             <a:avLst/>
@@ -1393,7 +1393,7 @@
             <a:normAutofit/>
           </a:bodyPr>
           <a:p>
-            <a:endParaRPr b="0" lang="en-US" sz="5690" spc="-1" strike="noStrike">
+            <a:endParaRPr b="0" lang="en-US" sz="3200" spc="-1" strike="noStrike">
               <a:latin typeface="Arial"/>
             </a:endParaRPr>
           </a:p>
@@ -1433,8 +1433,8 @@
         </p:nvSpPr>
         <p:spPr>
           <a:xfrm>
-            <a:off x="283320" y="401760"/>
-            <a:ext cx="5102640" cy="1682640"/>
+            <a:off x="283320" y="402120"/>
+            <a:ext cx="5103000" cy="1683000"/>
           </a:xfrm>
           <a:prstGeom prst="rect">
             <a:avLst/>
@@ -1447,216 +1447,114 @@
           <a:p>
             <a:pPr algn="ctr"/>
             <a:r>
-              <a:rPr b="0" lang="en-US" sz="7819" spc="-1" strike="noStrike">
+              <a:rPr b="0" lang="en-US" sz="4400" spc="-1" strike="noStrike">
                 <a:latin typeface="Arial"/>
               </a:rPr>
               <a:t>C</a:t>
             </a:r>
             <a:r>
-              <a:rPr b="0" lang="en-US" sz="7819" spc="-1" strike="noStrike">
-                <a:latin typeface="Arial"/>
-              </a:rPr>
-              <a:t>l</a:t>
-            </a:r>
-            <a:r>
-              <a:rPr b="0" lang="en-US" sz="7819" spc="-1" strike="noStrike">
-                <a:latin typeface="Arial"/>
-              </a:rPr>
-              <a:t>i</a:t>
-            </a:r>
-            <a:r>
-              <a:rPr b="0" lang="en-US" sz="7819" spc="-1" strike="noStrike">
+              <a:rPr b="0" lang="en-US" sz="4400" spc="-1" strike="noStrike">
+                <a:latin typeface="Arial"/>
+              </a:rPr>
+              <a:t>li</a:t>
+            </a:r>
+            <a:r>
+              <a:rPr b="0" lang="en-US" sz="4400" spc="-1" strike="noStrike">
                 <a:latin typeface="Arial"/>
               </a:rPr>
               <a:t>c</a:t>
             </a:r>
             <a:r>
-              <a:rPr b="0" lang="en-US" sz="7819" spc="-1" strike="noStrike">
-                <a:latin typeface="Arial"/>
-              </a:rPr>
-              <a:t>k</a:t>
-            </a:r>
-            <a:r>
-              <a:rPr b="0" lang="en-US" sz="7819" spc="-1" strike="noStrike">
-                <a:latin typeface="Arial"/>
-              </a:rPr>
-              <a:t> </a:t>
-            </a:r>
-            <a:r>
-              <a:rPr b="0" lang="en-US" sz="7819" spc="-1" strike="noStrike">
-                <a:latin typeface="Arial"/>
-              </a:rPr>
-              <a:t>t</a:t>
-            </a:r>
-            <a:r>
-              <a:rPr b="0" lang="en-US" sz="7819" spc="-1" strike="noStrike">
-                <a:latin typeface="Arial"/>
-              </a:rPr>
-              <a:t>o</a:t>
-            </a:r>
-            <a:r>
-              <a:rPr b="0" lang="en-US" sz="7819" spc="-1" strike="noStrike">
-                <a:latin typeface="Arial"/>
-              </a:rPr>
-              <a:t> </a:t>
-            </a:r>
-            <a:r>
-              <a:rPr b="0" lang="en-US" sz="7819" spc="-1" strike="noStrike">
+              <a:rPr b="0" lang="en-US" sz="4400" spc="-1" strike="noStrike">
+                <a:latin typeface="Arial"/>
+              </a:rPr>
+              <a:t>k </a:t>
+            </a:r>
+            <a:r>
+              <a:rPr b="0" lang="en-US" sz="4400" spc="-1" strike="noStrike">
+                <a:latin typeface="Arial"/>
+              </a:rPr>
+              <a:t>to </a:t>
+            </a:r>
+            <a:r>
+              <a:rPr b="0" lang="en-US" sz="4400" spc="-1" strike="noStrike">
                 <a:latin typeface="Arial"/>
               </a:rPr>
               <a:t>e</a:t>
             </a:r>
             <a:r>
-              <a:rPr b="0" lang="en-US" sz="7819" spc="-1" strike="noStrike">
-                <a:latin typeface="Arial"/>
-              </a:rPr>
-              <a:t>d</a:t>
-            </a:r>
-            <a:r>
-              <a:rPr b="0" lang="en-US" sz="7819" spc="-1" strike="noStrike">
-                <a:latin typeface="Arial"/>
-              </a:rPr>
-              <a:t>i</a:t>
-            </a:r>
-            <a:r>
-              <a:rPr b="0" lang="en-US" sz="7819" spc="-1" strike="noStrike">
-                <a:latin typeface="Arial"/>
-              </a:rPr>
-              <a:t>t</a:t>
-            </a:r>
-            <a:r>
-              <a:rPr b="0" lang="en-US" sz="7819" spc="-1" strike="noStrike">
-                <a:latin typeface="Arial"/>
-              </a:rPr>
-              <a:t> </a:t>
-            </a:r>
-            <a:r>
-              <a:rPr b="0" lang="en-US" sz="7819" spc="-1" strike="noStrike">
-                <a:latin typeface="Arial"/>
-              </a:rPr>
-              <a:t>t</a:t>
-            </a:r>
-            <a:r>
-              <a:rPr b="0" lang="en-US" sz="7819" spc="-1" strike="noStrike">
-                <a:latin typeface="Arial"/>
-              </a:rPr>
-              <a:t>h</a:t>
-            </a:r>
-            <a:r>
-              <a:rPr b="0" lang="en-US" sz="7819" spc="-1" strike="noStrike">
-                <a:latin typeface="Arial"/>
-              </a:rPr>
-              <a:t>e</a:t>
-            </a:r>
-            <a:r>
-              <a:rPr b="0" lang="en-US" sz="7819" spc="-1" strike="noStrike">
-                <a:latin typeface="Arial"/>
-              </a:rPr>
-              <a:t> </a:t>
-            </a:r>
-            <a:r>
-              <a:rPr b="0" lang="en-US" sz="7819" spc="-1" strike="noStrike">
-                <a:latin typeface="Arial"/>
-              </a:rPr>
-              <a:t>t</a:t>
-            </a:r>
-            <a:r>
-              <a:rPr b="0" lang="en-US" sz="7819" spc="-1" strike="noStrike">
-                <a:latin typeface="Arial"/>
-              </a:rPr>
-              <a:t>i</a:t>
-            </a:r>
-            <a:r>
-              <a:rPr b="0" lang="en-US" sz="7819" spc="-1" strike="noStrike">
-                <a:latin typeface="Arial"/>
-              </a:rPr>
-              <a:t>t</a:t>
-            </a:r>
-            <a:r>
-              <a:rPr b="0" lang="en-US" sz="7819" spc="-1" strike="noStrike">
-                <a:latin typeface="Arial"/>
-              </a:rPr>
-              <a:t>l</a:t>
-            </a:r>
-            <a:r>
-              <a:rPr b="0" lang="en-US" sz="7819" spc="-1" strike="noStrike">
-                <a:latin typeface="Arial"/>
-              </a:rPr>
-              <a:t>e</a:t>
-            </a:r>
-            <a:r>
-              <a:rPr b="0" lang="en-US" sz="7819" spc="-1" strike="noStrike">
-                <a:latin typeface="Arial"/>
-              </a:rPr>
-              <a:t> </a:t>
-            </a:r>
-            <a:r>
-              <a:rPr b="0" lang="en-US" sz="7819" spc="-1" strike="noStrike">
-                <a:latin typeface="Arial"/>
-              </a:rPr>
-              <a:t>t</a:t>
-            </a:r>
-            <a:r>
-              <a:rPr b="0" lang="en-US" sz="7819" spc="-1" strike="noStrike">
-                <a:latin typeface="Arial"/>
-              </a:rPr>
-              <a:t>e</a:t>
-            </a:r>
-            <a:r>
-              <a:rPr b="0" lang="en-US" sz="7819" spc="-1" strike="noStrike">
-                <a:latin typeface="Arial"/>
-              </a:rPr>
-              <a:t>x</a:t>
-            </a:r>
-            <a:r>
-              <a:rPr b="0" lang="en-US" sz="7819" spc="-1" strike="noStrike">
-                <a:latin typeface="Arial"/>
-              </a:rPr>
-              <a:t>t</a:t>
-            </a:r>
-            <a:r>
-              <a:rPr b="0" lang="en-US" sz="7819" spc="-1" strike="noStrike">
-                <a:latin typeface="Arial"/>
-              </a:rPr>
-              <a:t> </a:t>
-            </a:r>
-            <a:r>
-              <a:rPr b="0" lang="en-US" sz="7819" spc="-1" strike="noStrike">
-                <a:latin typeface="Arial"/>
-              </a:rPr>
-              <a:t>f</a:t>
-            </a:r>
-            <a:r>
-              <a:rPr b="0" lang="en-US" sz="7819" spc="-1" strike="noStrike">
-                <a:latin typeface="Arial"/>
-              </a:rPr>
-              <a:t>o</a:t>
-            </a:r>
-            <a:r>
-              <a:rPr b="0" lang="en-US" sz="7819" spc="-1" strike="noStrike">
+              <a:rPr b="0" lang="en-US" sz="4400" spc="-1" strike="noStrike">
+                <a:latin typeface="Arial"/>
+              </a:rPr>
+              <a:t>di</a:t>
+            </a:r>
+            <a:r>
+              <a:rPr b="0" lang="en-US" sz="4400" spc="-1" strike="noStrike">
+                <a:latin typeface="Arial"/>
+              </a:rPr>
+              <a:t>t </a:t>
+            </a:r>
+            <a:r>
+              <a:rPr b="0" lang="en-US" sz="4400" spc="-1" strike="noStrike">
+                <a:latin typeface="Arial"/>
+              </a:rPr>
+              <a:t>th</a:t>
+            </a:r>
+            <a:r>
+              <a:rPr b="0" lang="en-US" sz="4400" spc="-1" strike="noStrike">
+                <a:latin typeface="Arial"/>
+              </a:rPr>
+              <a:t>e </a:t>
+            </a:r>
+            <a:r>
+              <a:rPr b="0" lang="en-US" sz="4400" spc="-1" strike="noStrike">
+                <a:latin typeface="Arial"/>
+              </a:rPr>
+              <a:t>tit</a:t>
+            </a:r>
+            <a:r>
+              <a:rPr b="0" lang="en-US" sz="4400" spc="-1" strike="noStrike">
+                <a:latin typeface="Arial"/>
+              </a:rPr>
+              <a:t>le </a:t>
+            </a:r>
+            <a:r>
+              <a:rPr b="0" lang="en-US" sz="4400" spc="-1" strike="noStrike">
+                <a:latin typeface="Arial"/>
+              </a:rPr>
+              <a:t>te</a:t>
+            </a:r>
+            <a:r>
+              <a:rPr b="0" lang="en-US" sz="4400" spc="-1" strike="noStrike">
+                <a:latin typeface="Arial"/>
+              </a:rPr>
+              <a:t>xt </a:t>
+            </a:r>
+            <a:r>
+              <a:rPr b="0" lang="en-US" sz="4400" spc="-1" strike="noStrike">
+                <a:latin typeface="Arial"/>
+              </a:rPr>
+              <a:t>fo</a:t>
+            </a:r>
+            <a:r>
+              <a:rPr b="0" lang="en-US" sz="4400" spc="-1" strike="noStrike">
                 <a:latin typeface="Arial"/>
               </a:rPr>
               <a:t>r</a:t>
             </a:r>
             <a:r>
-              <a:rPr b="0" lang="en-US" sz="7819" spc="-1" strike="noStrike">
+              <a:rPr b="0" lang="en-US" sz="4400" spc="-1" strike="noStrike">
                 <a:latin typeface="Arial"/>
               </a:rPr>
               <a:t>m</a:t>
             </a:r>
             <a:r>
-              <a:rPr b="0" lang="en-US" sz="7819" spc="-1" strike="noStrike">
-                <a:latin typeface="Arial"/>
-              </a:rPr>
-              <a:t>a</a:t>
-            </a:r>
-            <a:r>
-              <a:rPr b="0" lang="en-US" sz="7819" spc="-1" strike="noStrike">
-                <a:latin typeface="Arial"/>
-              </a:rPr>
-              <a:t>t</a:t>
-            </a:r>
-            <a:endParaRPr b="0" lang="en-US" sz="7819" spc="-1" strike="noStrike">
+              <a:rPr b="0" lang="en-US" sz="4400" spc="-1" strike="noStrike">
+                <a:latin typeface="Arial"/>
+              </a:rPr>
+              <a:t>at</a:t>
+            </a:r>
+            <a:endParaRPr b="0" lang="en-US" sz="4400" spc="-1" strike="noStrike">
               <a:latin typeface="Arial"/>
             </a:endParaRPr>
           </a:p>
@@ -1674,8 +1572,8 @@
         </p:nvSpPr>
         <p:spPr>
           <a:xfrm>
-            <a:off x="283320" y="2358360"/>
-            <a:ext cx="5102640" cy="5845680"/>
+            <a:off x="283320" y="2358720"/>
+            <a:ext cx="5103000" cy="5846400"/>
           </a:xfrm>
           <a:prstGeom prst="rect">
             <a:avLst/>
@@ -1683,12 +1581,12 @@
         </p:spPr>
         <p:txBody>
           <a:bodyPr lIns="0" rIns="0" tIns="0" bIns="0">
-            <a:normAutofit fontScale="38000"/>
+            <a:normAutofit/>
           </a:bodyPr>
           <a:p>
             <a:pPr marL="432000" indent="-324000">
               <a:spcBef>
-                <a:spcPts val="2517"/>
+                <a:spcPts val="1417"/>
               </a:spcBef>
               <a:buClr>
                 <a:srgbClr val="000000"/>
@@ -1698,19 +1596,19 @@
               <a:buChar char=""/>
             </a:pPr>
             <a:r>
-              <a:rPr b="0" lang="en-US" sz="5690" spc="-1" strike="noStrike">
+              <a:rPr b="0" lang="en-US" sz="3200" spc="-1" strike="noStrike">
                 <a:latin typeface="Arial"/>
               </a:rPr>
               <a:t>Click to edit the outline text format</a:t>
             </a:r>
-            <a:endParaRPr b="0" lang="en-US" sz="5690" spc="-1" strike="noStrike">
+            <a:endParaRPr b="0" lang="en-US" sz="3200" spc="-1" strike="noStrike">
               <a:latin typeface="Arial"/>
             </a:endParaRPr>
           </a:p>
           <a:p>
             <a:pPr lvl="1" marL="864000" indent="-324000">
               <a:spcBef>
-                <a:spcPts val="2013"/>
+                <a:spcPts val="1134"/>
               </a:spcBef>
               <a:buClr>
                 <a:srgbClr val="000000"/>
@@ -1720,19 +1618,19 @@
               <a:buChar char=""/>
             </a:pPr>
             <a:r>
-              <a:rPr b="0" lang="en-US" sz="4970" spc="-1" strike="noStrike">
+              <a:rPr b="0" lang="en-US" sz="2800" spc="-1" strike="noStrike">
                 <a:latin typeface="Arial"/>
               </a:rPr>
               <a:t>Second Outline Level</a:t>
             </a:r>
-            <a:endParaRPr b="0" lang="en-US" sz="4970" spc="-1" strike="noStrike">
+            <a:endParaRPr b="0" lang="en-US" sz="2800" spc="-1" strike="noStrike">
               <a:latin typeface="Arial"/>
             </a:endParaRPr>
           </a:p>
           <a:p>
             <a:pPr lvl="2" marL="1296000" indent="-288000">
               <a:spcBef>
-                <a:spcPts val="1511"/>
+                <a:spcPts val="850"/>
               </a:spcBef>
               <a:buClr>
                 <a:srgbClr val="000000"/>
@@ -1742,19 +1640,19 @@
               <a:buChar char=""/>
             </a:pPr>
             <a:r>
-              <a:rPr b="0" lang="en-US" sz="4270" spc="-1" strike="noStrike">
+              <a:rPr b="0" lang="en-US" sz="2400" spc="-1" strike="noStrike">
                 <a:latin typeface="Arial"/>
               </a:rPr>
               <a:t>Third Outline Level</a:t>
             </a:r>
-            <a:endParaRPr b="0" lang="en-US" sz="4270" spc="-1" strike="noStrike">
+            <a:endParaRPr b="0" lang="en-US" sz="2400" spc="-1" strike="noStrike">
               <a:latin typeface="Arial"/>
             </a:endParaRPr>
           </a:p>
           <a:p>
             <a:pPr lvl="3" marL="1728000" indent="-216000">
               <a:spcBef>
-                <a:spcPts val="1006"/>
+                <a:spcPts val="567"/>
               </a:spcBef>
               <a:buClr>
                 <a:srgbClr val="000000"/>
@@ -1764,19 +1662,19 @@
               <a:buChar char=""/>
             </a:pPr>
             <a:r>
-              <a:rPr b="0" lang="en-US" sz="3550" spc="-1" strike="noStrike">
+              <a:rPr b="0" lang="en-US" sz="2000" spc="-1" strike="noStrike">
                 <a:latin typeface="Arial"/>
               </a:rPr>
               <a:t>Fourth Outline Level</a:t>
             </a:r>
-            <a:endParaRPr b="0" lang="en-US" sz="3550" spc="-1" strike="noStrike">
+            <a:endParaRPr b="0" lang="en-US" sz="2000" spc="-1" strike="noStrike">
               <a:latin typeface="Arial"/>
             </a:endParaRPr>
           </a:p>
           <a:p>
             <a:pPr lvl="4" marL="2160000" indent="-216000">
               <a:spcBef>
-                <a:spcPts val="502"/>
+                <a:spcPts val="283"/>
               </a:spcBef>
               <a:buClr>
                 <a:srgbClr val="000000"/>
@@ -1786,19 +1684,19 @@
               <a:buChar char=""/>
             </a:pPr>
             <a:r>
-              <a:rPr b="0" lang="en-US" sz="3550" spc="-1" strike="noStrike">
+              <a:rPr b="0" lang="en-US" sz="2000" spc="-1" strike="noStrike">
                 <a:latin typeface="Arial"/>
               </a:rPr>
               <a:t>Fifth Outline Level</a:t>
             </a:r>
-            <a:endParaRPr b="0" lang="en-US" sz="3550" spc="-1" strike="noStrike">
+            <a:endParaRPr b="0" lang="en-US" sz="2000" spc="-1" strike="noStrike">
               <a:latin typeface="Arial"/>
             </a:endParaRPr>
           </a:p>
           <a:p>
             <a:pPr lvl="5" marL="2592000" indent="-216000">
               <a:spcBef>
-                <a:spcPts val="502"/>
+                <a:spcPts val="283"/>
               </a:spcBef>
               <a:buClr>
                 <a:srgbClr val="000000"/>
@@ -1808,19 +1706,19 @@
               <a:buChar char=""/>
             </a:pPr>
             <a:r>
-              <a:rPr b="0" lang="en-US" sz="3550" spc="-1" strike="noStrike">
+              <a:rPr b="0" lang="en-US" sz="2000" spc="-1" strike="noStrike">
                 <a:latin typeface="Arial"/>
               </a:rPr>
               <a:t>Sixth Outline Level</a:t>
             </a:r>
-            <a:endParaRPr b="0" lang="en-US" sz="3550" spc="-1" strike="noStrike">
+            <a:endParaRPr b="0" lang="en-US" sz="2000" spc="-1" strike="noStrike">
               <a:latin typeface="Arial"/>
             </a:endParaRPr>
           </a:p>
           <a:p>
             <a:pPr lvl="6" marL="3024000" indent="-216000">
               <a:spcBef>
-                <a:spcPts val="502"/>
+                <a:spcPts val="283"/>
               </a:spcBef>
               <a:buClr>
                 <a:srgbClr val="000000"/>
@@ -1830,123 +1728,13 @@
               <a:buChar char=""/>
             </a:pPr>
             <a:r>
-              <a:rPr b="0" lang="en-US" sz="3550" spc="-1" strike="noStrike">
+              <a:rPr b="0" lang="en-US" sz="2000" spc="-1" strike="noStrike">
                 <a:latin typeface="Arial"/>
               </a:rPr>
               <a:t>Seventh Outline Level</a:t>
             </a:r>
-            <a:endParaRPr b="0" lang="en-US" sz="3550" spc="-1" strike="noStrike">
-              <a:latin typeface="Arial"/>
-            </a:endParaRPr>
-          </a:p>
-        </p:txBody>
-      </p:sp>
-      <p:sp>
-        <p:nvSpPr>
-          <p:cNvPr id="2" name="PlaceHolder 3"/>
-          <p:cNvSpPr>
-            <a:spLocks noGrp="1"/>
-          </p:cNvSpPr>
-          <p:nvPr>
-            <p:ph type="dt"/>
-          </p:nvPr>
-        </p:nvSpPr>
-        <p:spPr>
-          <a:xfrm>
-            <a:off x="283320" y="9182520"/>
-            <a:ext cx="1320840" cy="694440"/>
-          </a:xfrm>
-          <a:prstGeom prst="rect">
-            <a:avLst/>
-          </a:prstGeom>
-        </p:spPr>
-        <p:txBody>
-          <a:bodyPr lIns="0" rIns="0" tIns="0" bIns="0">
-            <a:noAutofit/>
-          </a:bodyPr>
-          <a:p>
-            <a:r>
-              <a:rPr b="0" lang="en-US" sz="1400" spc="-1" strike="noStrike">
-                <a:latin typeface="Times New Roman"/>
-              </a:rPr>
-              <a:t>&lt;date/time&gt;</a:t>
-            </a:r>
-            <a:endParaRPr b="0" lang="en-US" sz="1400" spc="-1" strike="noStrike">
-              <a:latin typeface="Times New Roman"/>
-            </a:endParaRPr>
-          </a:p>
-        </p:txBody>
-      </p:sp>
-      <p:sp>
-        <p:nvSpPr>
-          <p:cNvPr id="3" name="PlaceHolder 4"/>
-          <p:cNvSpPr>
-            <a:spLocks noGrp="1"/>
-          </p:cNvSpPr>
-          <p:nvPr>
-            <p:ph type="ftr"/>
-          </p:nvPr>
-        </p:nvSpPr>
-        <p:spPr>
-          <a:xfrm>
-            <a:off x="1938960" y="9182520"/>
-            <a:ext cx="1797120" cy="694440"/>
-          </a:xfrm>
-          <a:prstGeom prst="rect">
-            <a:avLst/>
-          </a:prstGeom>
-        </p:spPr>
-        <p:txBody>
-          <a:bodyPr lIns="0" rIns="0" tIns="0" bIns="0">
-            <a:noAutofit/>
-          </a:bodyPr>
-          <a:p>
-            <a:pPr algn="ctr"/>
-            <a:r>
-              <a:rPr b="0" lang="en-US" sz="1400" spc="-1" strike="noStrike">
-                <a:latin typeface="Times New Roman"/>
-              </a:rPr>
-              <a:t>&lt;footer&gt;</a:t>
-            </a:r>
-            <a:endParaRPr b="0" lang="en-US" sz="1400" spc="-1" strike="noStrike">
-              <a:latin typeface="Times New Roman"/>
-            </a:endParaRPr>
-          </a:p>
-        </p:txBody>
-      </p:sp>
-      <p:sp>
-        <p:nvSpPr>
-          <p:cNvPr id="4" name="PlaceHolder 5"/>
-          <p:cNvSpPr>
-            <a:spLocks noGrp="1"/>
-          </p:cNvSpPr>
-          <p:nvPr>
-            <p:ph type="sldNum"/>
-          </p:nvPr>
-        </p:nvSpPr>
-        <p:spPr>
-          <a:xfrm>
-            <a:off x="4065120" y="9182520"/>
-            <a:ext cx="1320840" cy="694440"/>
-          </a:xfrm>
-          <a:prstGeom prst="rect">
-            <a:avLst/>
-          </a:prstGeom>
-        </p:spPr>
-        <p:txBody>
-          <a:bodyPr lIns="0" rIns="0" tIns="0" bIns="0">
-            <a:noAutofit/>
-          </a:bodyPr>
-          <a:p>
-            <a:pPr algn="r"/>
-            <a:fld id="{C99E734B-E649-43FA-B315-4418593ED556}" type="slidenum">
-              <a:rPr b="0" lang="en-US" sz="1400" spc="-1" strike="noStrike">
-                <a:latin typeface="Times New Roman"/>
-              </a:rPr>
-              <a:t>&lt;number&gt;</a:t>
-            </a:fld>
-            <a:endParaRPr b="0" lang="en-US" sz="1400" spc="-1" strike="noStrike">
-              <a:latin typeface="Times New Roman"/>
+            <a:endParaRPr b="0" lang="en-US" sz="2000" spc="-1" strike="noStrike">
+              <a:latin typeface="Arial"/>
             </a:endParaRPr>
           </a:p>
         </p:txBody>
@@ -1988,40 +1776,16 @@
           <a:chExt cx="0" cy="0"/>
         </a:xfrm>
       </p:grpSpPr>
-      <p:pic>
-        <p:nvPicPr>
-          <p:cNvPr id="41" name="" descr=""/>
-          <p:cNvPicPr/>
+      <p:sp>
+        <p:nvSpPr>
+          <p:cNvPr id="38" name="CustomShape 1"/>
+          <p:cNvSpPr/>
           <p:nvPr/>
-        </p:nvPicPr>
-        <p:blipFill>
-          <a:blip r:embed="rId1"/>
-          <a:srcRect l="23149" t="16459" r="24594" b="26102"/>
-          <a:stretch/>
-        </p:blipFill>
-        <p:spPr>
-          <a:xfrm>
-            <a:off x="-91440" y="166320"/>
-            <a:ext cx="2961720" cy="2011320"/>
-          </a:xfrm>
-          <a:prstGeom prst="rect">
-            <a:avLst/>
-          </a:prstGeom>
-          <a:ln>
-            <a:noFill/>
-          </a:ln>
-        </p:spPr>
-      </p:pic>
-      <p:sp>
-        <p:nvSpPr>
-          <p:cNvPr id="42" name="TextShape 1"/>
-          <p:cNvSpPr txBox="1"/>
-          <p:nvPr/>
         </p:nvSpPr>
         <p:spPr>
           <a:xfrm>
             <a:off x="-58680" y="-72000"/>
-            <a:ext cx="424440" cy="346320"/>
+            <a:ext cx="423360" cy="345240"/>
           </a:xfrm>
           <a:prstGeom prst="rect">
             <a:avLst/>
@@ -2029,46 +1793,6 @@
           <a:noFill/>
           <a:ln>
             <a:noFill/>
-          </a:ln>
-        </p:spPr>
-        <p:txBody>
-          <a:bodyPr lIns="90000" rIns="90000" tIns="45000" bIns="45000">
-            <a:noAutofit/>
-          </a:bodyPr>
-          <a:p>
-            <a:r>
-              <a:rPr b="0" lang="en-US" sz="1800" spc="-1" strike="noStrike">
-                <a:latin typeface="Arial"/>
-              </a:rPr>
-              <a:t>A</a:t>
-            </a:r>
-            <a:endParaRPr b="0" lang="en-US" sz="1800" spc="-1" strike="noStrike">
-              <a:latin typeface="Arial"/>
-            </a:endParaRPr>
-          </a:p>
-        </p:txBody>
-      </p:sp>
-      <p:sp>
-        <p:nvSpPr>
-          <p:cNvPr id="43" name="CustomShape 2"/>
-          <p:cNvSpPr/>
-          <p:nvPr/>
-        </p:nvSpPr>
-        <p:spPr>
-          <a:xfrm>
-            <a:off x="3017520" y="91440"/>
-            <a:ext cx="2560320" cy="2194560"/>
-          </a:xfrm>
-          <a:prstGeom prst="rect">
-            <a:avLst/>
-          </a:prstGeom>
-          <a:solidFill>
-            <a:srgbClr val="729fcf"/>
-          </a:solidFill>
-          <a:ln>
-            <a:solidFill>
-              <a:srgbClr val="3465a4"/>
-            </a:solidFill>
           </a:ln>
         </p:spPr>
         <p:style>
@@ -2078,140 +1802,48 @@
           <a:fontRef idx="minor"/>
         </p:style>
         <p:txBody>
-          <a:bodyPr wrap="none" lIns="90000" rIns="90000" tIns="45000" bIns="45000" anchor="ctr">
+          <a:bodyPr lIns="90000" rIns="90000" tIns="45000" bIns="45000">
             <a:noAutofit/>
           </a:bodyPr>
           <a:p>
-            <a:pPr algn="ctr"/>
-            <a:r>
-              <a:rPr b="0" lang="en-US" sz="1400" spc="-1" strike="noStrike">
-                <a:latin typeface="Arial"/>
-              </a:rPr>
-              <a:t>Figure to explain how I built </a:t>
-            </a:r>
-            <a:endParaRPr b="0" lang="en-US" sz="1400" spc="-1" strike="noStrike">
-              <a:latin typeface="Arial"/>
-            </a:endParaRPr>
-          </a:p>
-          <a:p>
-            <a:pPr algn="ctr"/>
-            <a:r>
-              <a:rPr b="0" lang="en-US" sz="1400" spc="-1" strike="noStrike">
-                <a:latin typeface="Arial"/>
-              </a:rPr>
-              <a:t>the networks.</a:t>
-            </a:r>
-            <a:endParaRPr b="0" lang="en-US" sz="1400" spc="-1" strike="noStrike">
-              <a:latin typeface="Arial"/>
-            </a:endParaRPr>
-          </a:p>
-          <a:p>
-            <a:pPr algn="ctr"/>
-            <a:endParaRPr b="0" lang="en-US" sz="1400" spc="-1" strike="noStrike">
-              <a:latin typeface="Arial"/>
-            </a:endParaRPr>
-          </a:p>
-          <a:p>
-            <a:pPr algn="ctr"/>
-            <a:r>
-              <a:rPr b="0" lang="en-US" sz="1400" spc="-1" strike="noStrike">
-                <a:latin typeface="Arial"/>
-              </a:rPr>
-              <a:t>Two schematic networks for </a:t>
-            </a:r>
-            <a:endParaRPr b="0" lang="en-US" sz="1400" spc="-1" strike="noStrike">
-              <a:latin typeface="Arial"/>
-            </a:endParaRPr>
-          </a:p>
-          <a:p>
-            <a:pPr algn="ctr"/>
-            <a:r>
-              <a:rPr b="0" lang="en-US" sz="1400" spc="-1" strike="noStrike">
-                <a:latin typeface="Arial"/>
-              </a:rPr>
-              <a:t>PPI and TF-target into </a:t>
-            </a:r>
-            <a:endParaRPr b="0" lang="en-US" sz="1400" spc="-1" strike="noStrike">
-              <a:latin typeface="Arial"/>
-            </a:endParaRPr>
-          </a:p>
-          <a:p>
-            <a:pPr algn="ctr"/>
-            <a:r>
-              <a:rPr b="0" lang="en-US" sz="1400" spc="-1" strike="noStrike">
-                <a:latin typeface="Arial"/>
-              </a:rPr>
-              <a:t>one big network</a:t>
-            </a:r>
-            <a:endParaRPr b="0" lang="en-US" sz="1400" spc="-1" strike="noStrike">
-              <a:latin typeface="Arial"/>
-            </a:endParaRPr>
-          </a:p>
-          <a:p>
-            <a:pPr algn="ctr"/>
-            <a:endParaRPr b="0" lang="en-US" sz="1400" spc="-1" strike="noStrike">
-              <a:latin typeface="Arial"/>
-            </a:endParaRPr>
-          </a:p>
-          <a:p>
-            <a:pPr algn="ctr"/>
-            <a:r>
-              <a:rPr b="0" lang="en-US" sz="1400" spc="-1" strike="noStrike">
-                <a:latin typeface="Arial"/>
-              </a:rPr>
-              <a:t>A list of DEG and Tfs that will </a:t>
-            </a:r>
-            <a:endParaRPr b="0" lang="en-US" sz="1400" spc="-1" strike="noStrike">
-              <a:latin typeface="Arial"/>
-            </a:endParaRPr>
-          </a:p>
-          <a:p>
-            <a:pPr algn="ctr"/>
-            <a:r>
-              <a:rPr b="0" lang="en-US" sz="1400" spc="-1" strike="noStrike">
-                <a:latin typeface="Arial"/>
-              </a:rPr>
-              <a:t>Filter the big network </a:t>
-            </a:r>
-            <a:endParaRPr b="0" lang="en-US" sz="1400" spc="-1" strike="noStrike">
-              <a:latin typeface="Arial"/>
-            </a:endParaRPr>
-          </a:p>
-          <a:p>
-            <a:pPr algn="ctr"/>
-            <a:r>
-              <a:rPr b="0" lang="en-US" sz="1400" spc="-1" strike="noStrike">
-                <a:latin typeface="Arial"/>
-              </a:rPr>
-              <a:t>(for IDHi → 759 genes)</a:t>
-            </a:r>
-            <a:endParaRPr b="0" lang="en-US" sz="1400" spc="-1" strike="noStrike">
-              <a:latin typeface="Arial"/>
-            </a:endParaRPr>
-          </a:p>
-        </p:txBody>
-      </p:sp>
-      <p:sp>
-        <p:nvSpPr>
-          <p:cNvPr id="44" name="CustomShape 3"/>
+            <a:pPr>
+              <a:lnSpc>
+                <a:spcPct val="100000"/>
+              </a:lnSpc>
+            </a:pPr>
+            <a:r>
+              <a:rPr b="0" lang="en-US" sz="1800" spc="-1" strike="noStrike">
+                <a:solidFill>
+                  <a:srgbClr val="000000"/>
+                </a:solidFill>
+                <a:latin typeface="Arial"/>
+                <a:ea typeface="DejaVu Sans"/>
+              </a:rPr>
+              <a:t>A</a:t>
+            </a:r>
+            <a:endParaRPr b="0" lang="en-US" sz="1800" spc="-1" strike="noStrike">
+              <a:latin typeface="Arial"/>
+            </a:endParaRPr>
+          </a:p>
+        </p:txBody>
+      </p:sp>
+      <p:sp>
+        <p:nvSpPr>
+          <p:cNvPr id="39" name="CustomShape 2"/>
           <p:cNvSpPr/>
           <p:nvPr/>
         </p:nvSpPr>
         <p:spPr>
           <a:xfrm>
-            <a:off x="91440" y="2396880"/>
-            <a:ext cx="2834640" cy="2468880"/>
-          </a:xfrm>
-          <a:prstGeom prst="rect">
-            <a:avLst/>
-          </a:prstGeom>
-          <a:solidFill>
-            <a:srgbClr val="729fcf"/>
-          </a:solidFill>
+            <a:off x="2677680" y="0"/>
+            <a:ext cx="423360" cy="345240"/>
+          </a:xfrm>
+          <a:prstGeom prst="rect">
+            <a:avLst/>
+          </a:prstGeom>
+          <a:noFill/>
           <a:ln>
-            <a:solidFill>
-              <a:srgbClr val="3465a4"/>
-            </a:solidFill>
+            <a:noFill/>
           </a:ln>
         </p:spPr>
         <p:style>
@@ -2221,57 +1853,41 @@
           <a:fontRef idx="minor"/>
         </p:style>
         <p:txBody>
-          <a:bodyPr wrap="none" lIns="90000" rIns="90000" tIns="45000" bIns="45000" anchor="ctr">
+          <a:bodyPr lIns="90000" rIns="90000" tIns="45000" bIns="45000">
             <a:noAutofit/>
           </a:bodyPr>
           <a:p>
-            <a:pPr algn="ctr"/>
-            <a:r>
-              <a:rPr b="0" lang="en-US" sz="1400" spc="-1" strike="noStrike">
-                <a:latin typeface="Arial"/>
-              </a:rPr>
-              <a:t>A schema to explain briefly</a:t>
-            </a:r>
-            <a:endParaRPr b="0" lang="en-US" sz="1400" spc="-1" strike="noStrike">
-              <a:latin typeface="Arial"/>
-            </a:endParaRPr>
-          </a:p>
-          <a:p>
-            <a:pPr algn="ctr"/>
-            <a:r>
-              <a:rPr b="0" lang="en-US" sz="1400" spc="-1" strike="noStrike">
-                <a:latin typeface="Arial"/>
-              </a:rPr>
-              <a:t>Page rank and Eigen centrality</a:t>
-            </a:r>
-            <a:endParaRPr b="0" lang="en-US" sz="1400" spc="-1" strike="noStrike">
-              <a:latin typeface="Arial"/>
-            </a:endParaRPr>
-          </a:p>
-          <a:p>
-            <a:pPr algn="ctr"/>
-            <a:r>
-              <a:rPr b="0" lang="en-US" sz="1400" spc="-1" strike="noStrike">
-                <a:latin typeface="Arial"/>
-              </a:rPr>
-              <a:t>Calcul and analysis</a:t>
-            </a:r>
-            <a:endParaRPr b="0" lang="en-US" sz="1400" spc="-1" strike="noStrike">
-              <a:latin typeface="Arial"/>
-            </a:endParaRPr>
-          </a:p>
-        </p:txBody>
-      </p:sp>
-      <p:sp>
-        <p:nvSpPr>
-          <p:cNvPr id="45" name="TextShape 4"/>
-          <p:cNvSpPr txBox="1"/>
+            <a:pPr>
+              <a:lnSpc>
+                <a:spcPct val="100000"/>
+              </a:lnSpc>
+            </a:pPr>
+            <a:r>
+              <a:rPr b="0" lang="en-US" sz="1800" spc="-1" strike="noStrike">
+                <a:solidFill>
+                  <a:srgbClr val="000000"/>
+                </a:solidFill>
+                <a:latin typeface="Arial"/>
+                <a:ea typeface="DejaVu Sans"/>
+              </a:rPr>
+              <a:t>B</a:t>
+            </a:r>
+            <a:endParaRPr b="0" lang="en-US" sz="1800" spc="-1" strike="noStrike">
+              <a:latin typeface="Arial"/>
+            </a:endParaRPr>
+          </a:p>
+        </p:txBody>
+      </p:sp>
+      <p:sp>
+        <p:nvSpPr>
+          <p:cNvPr id="40" name="CustomShape 3"/>
+          <p:cNvSpPr/>
           <p:nvPr/>
         </p:nvSpPr>
         <p:spPr>
           <a:xfrm>
-            <a:off x="2677680" y="0"/>
-            <a:ext cx="424440" cy="346320"/>
+            <a:off x="-58680" y="2122560"/>
+            <a:ext cx="423360" cy="345240"/>
           </a:xfrm>
           <a:prstGeom prst="rect">
             <a:avLst/>
@@ -2281,16 +1897,31 @@
             <a:noFill/>
           </a:ln>
         </p:spPr>
+        <p:style>
+          <a:lnRef idx="0"/>
+          <a:fillRef idx="0"/>
+          <a:effectRef idx="0"/>
+          <a:fontRef idx="minor"/>
+        </p:style>
         <p:txBody>
           <a:bodyPr lIns="90000" rIns="90000" tIns="45000" bIns="45000">
             <a:noAutofit/>
           </a:bodyPr>
           <a:p>
+            <a:pPr>
+              <a:lnSpc>
+                <a:spcPct val="100000"/>
+              </a:lnSpc>
+            </a:pPr>
             <a:r>
               <a:rPr b="0" lang="en-US" sz="1800" spc="-1" strike="noStrike">
-                <a:latin typeface="Arial"/>
-              </a:rPr>
-              <a:t>B</a:t>
+                <a:solidFill>
+                  <a:srgbClr val="000000"/>
+                </a:solidFill>
+                <a:latin typeface="Arial"/>
+                <a:ea typeface="DejaVu Sans"/>
+              </a:rPr>
+              <a:t>C</a:t>
             </a:r>
             <a:endParaRPr b="0" lang="en-US" sz="1800" spc="-1" strike="noStrike">
               <a:latin typeface="Arial"/>
@@ -2300,14 +1931,14 @@
       </p:sp>
       <p:sp>
         <p:nvSpPr>
-          <p:cNvPr id="46" name="TextShape 5"/>
-          <p:cNvSpPr txBox="1"/>
+          <p:cNvPr id="41" name="CustomShape 4"/>
+          <p:cNvSpPr/>
           <p:nvPr/>
         </p:nvSpPr>
         <p:spPr>
           <a:xfrm>
-            <a:off x="-58680" y="2122560"/>
-            <a:ext cx="424440" cy="346320"/>
+            <a:off x="2782080" y="2230560"/>
+            <a:ext cx="423360" cy="345240"/>
           </a:xfrm>
           <a:prstGeom prst="rect">
             <a:avLst/>
@@ -2317,16 +1948,202 @@
             <a:noFill/>
           </a:ln>
         </p:spPr>
+        <p:style>
+          <a:lnRef idx="0"/>
+          <a:fillRef idx="0"/>
+          <a:effectRef idx="0"/>
+          <a:fontRef idx="minor"/>
+        </p:style>
         <p:txBody>
           <a:bodyPr lIns="90000" rIns="90000" tIns="45000" bIns="45000">
             <a:noAutofit/>
           </a:bodyPr>
           <a:p>
+            <a:pPr>
+              <a:lnSpc>
+                <a:spcPct val="100000"/>
+              </a:lnSpc>
+            </a:pPr>
             <a:r>
               <a:rPr b="0" lang="en-US" sz="1800" spc="-1" strike="noStrike">
-                <a:latin typeface="Arial"/>
-              </a:rPr>
-              <a:t>C</a:t>
+                <a:solidFill>
+                  <a:srgbClr val="000000"/>
+                </a:solidFill>
+                <a:latin typeface="Arial"/>
+                <a:ea typeface="DejaVu Sans"/>
+              </a:rPr>
+              <a:t>D</a:t>
+            </a:r>
+            <a:endParaRPr b="0" lang="en-US" sz="1800" spc="-1" strike="noStrike">
+              <a:latin typeface="Arial"/>
+            </a:endParaRPr>
+          </a:p>
+        </p:txBody>
+      </p:sp>
+      <p:pic>
+        <p:nvPicPr>
+          <p:cNvPr id="42" name="" descr=""/>
+          <p:cNvPicPr/>
+          <p:nvPr/>
+        </p:nvPicPr>
+        <p:blipFill>
+          <a:blip r:embed="rId1"/>
+          <a:stretch/>
+        </p:blipFill>
+        <p:spPr>
+          <a:xfrm>
+            <a:off x="0" y="8448840"/>
+            <a:ext cx="1621080" cy="1621080"/>
+          </a:xfrm>
+          <a:prstGeom prst="rect">
+            <a:avLst/>
+          </a:prstGeom>
+          <a:ln>
+            <a:noFill/>
+          </a:ln>
+        </p:spPr>
+      </p:pic>
+      <p:sp>
+        <p:nvSpPr>
+          <p:cNvPr id="43" name="CustomShape 5"/>
+          <p:cNvSpPr/>
+          <p:nvPr/>
+        </p:nvSpPr>
+        <p:spPr>
+          <a:xfrm>
+            <a:off x="-58680" y="8218440"/>
+            <a:ext cx="423360" cy="375840"/>
+          </a:xfrm>
+          <a:prstGeom prst="rect">
+            <a:avLst/>
+          </a:prstGeom>
+          <a:noFill/>
+          <a:ln>
+            <a:noFill/>
+          </a:ln>
+        </p:spPr>
+        <p:style>
+          <a:lnRef idx="0"/>
+          <a:fillRef idx="0"/>
+          <a:effectRef idx="0"/>
+          <a:fontRef idx="minor"/>
+        </p:style>
+        <p:txBody>
+          <a:bodyPr lIns="90000" rIns="90000" tIns="45000" bIns="45000">
+            <a:noAutofit/>
+          </a:bodyPr>
+          <a:p>
+            <a:pPr>
+              <a:lnSpc>
+                <a:spcPct val="100000"/>
+              </a:lnSpc>
+            </a:pPr>
+            <a:r>
+              <a:rPr b="0" lang="en-US" sz="1800" spc="-1" strike="noStrike">
+                <a:solidFill>
+                  <a:srgbClr val="000000"/>
+                </a:solidFill>
+                <a:latin typeface="Arial"/>
+                <a:ea typeface="DejaVu Sans"/>
+              </a:rPr>
+              <a:t>F</a:t>
+            </a:r>
+            <a:endParaRPr b="0" lang="en-US" sz="1800" spc="-1" strike="noStrike">
+              <a:latin typeface="Arial"/>
+            </a:endParaRPr>
+          </a:p>
+        </p:txBody>
+      </p:sp>
+      <p:pic>
+        <p:nvPicPr>
+          <p:cNvPr id="44" name="" descr=""/>
+          <p:cNvPicPr/>
+          <p:nvPr/>
+        </p:nvPicPr>
+        <p:blipFill>
+          <a:blip r:embed="rId2"/>
+          <a:stretch/>
+        </p:blipFill>
+        <p:spPr>
+          <a:xfrm>
+            <a:off x="1133280" y="8448840"/>
+            <a:ext cx="1553400" cy="1553400"/>
+          </a:xfrm>
+          <a:prstGeom prst="rect">
+            <a:avLst/>
+          </a:prstGeom>
+          <a:ln>
+            <a:noFill/>
+          </a:ln>
+        </p:spPr>
+      </p:pic>
+      <p:pic>
+        <p:nvPicPr>
+          <p:cNvPr id="45" name="" descr=""/>
+          <p:cNvPicPr/>
+          <p:nvPr/>
+        </p:nvPicPr>
+        <p:blipFill>
+          <a:blip r:embed="rId3"/>
+          <a:stretch/>
+        </p:blipFill>
+        <p:spPr>
+          <a:xfrm>
+            <a:off x="2468880" y="8472960"/>
+            <a:ext cx="1560960" cy="1560960"/>
+          </a:xfrm>
+          <a:prstGeom prst="rect">
+            <a:avLst/>
+          </a:prstGeom>
+          <a:ln>
+            <a:noFill/>
+          </a:ln>
+        </p:spPr>
+      </p:pic>
+      <p:sp>
+        <p:nvSpPr>
+          <p:cNvPr id="46" name="CustomShape 6"/>
+          <p:cNvSpPr/>
+          <p:nvPr/>
+        </p:nvSpPr>
+        <p:spPr>
+          <a:xfrm>
+            <a:off x="2148120" y="8249040"/>
+            <a:ext cx="357840" cy="345240"/>
+          </a:xfrm>
+          <a:prstGeom prst="rect">
+            <a:avLst/>
+          </a:prstGeom>
+          <a:noFill/>
+          <a:ln>
+            <a:noFill/>
+          </a:ln>
+        </p:spPr>
+        <p:style>
+          <a:lnRef idx="0"/>
+          <a:fillRef idx="0"/>
+          <a:effectRef idx="0"/>
+          <a:fontRef idx="minor"/>
+        </p:style>
+        <p:txBody>
+          <a:bodyPr lIns="90000" rIns="90000" tIns="45000" bIns="45000">
+            <a:noAutofit/>
+          </a:bodyPr>
+          <a:p>
+            <a:pPr>
+              <a:lnSpc>
+                <a:spcPct val="100000"/>
+              </a:lnSpc>
+            </a:pPr>
+            <a:r>
+              <a:rPr b="0" lang="en-US" sz="1800" spc="-1" strike="noStrike">
+                <a:solidFill>
+                  <a:srgbClr val="000000"/>
+                </a:solidFill>
+                <a:latin typeface="Arial"/>
+                <a:ea typeface="DejaVu Sans"/>
+              </a:rPr>
+              <a:t>G</a:t>
             </a:r>
             <a:endParaRPr b="0" lang="en-US" sz="1800" spc="-1" strike="noStrike">
               <a:latin typeface="Arial"/>
@@ -2341,13 +2158,13 @@
           <p:nvPr/>
         </p:nvPicPr>
         <p:blipFill>
-          <a:blip r:embed="rId2"/>
+          <a:blip r:embed="rId4"/>
           <a:stretch/>
         </p:blipFill>
         <p:spPr>
           <a:xfrm>
-            <a:off x="2962080" y="2448720"/>
-            <a:ext cx="2652480" cy="2652480"/>
+            <a:off x="4023360" y="8472960"/>
+            <a:ext cx="1605960" cy="1605960"/>
           </a:xfrm>
           <a:prstGeom prst="rect">
             <a:avLst/>
@@ -2359,14 +2176,14 @@
       </p:pic>
       <p:sp>
         <p:nvSpPr>
-          <p:cNvPr id="48" name="TextShape 6"/>
-          <p:cNvSpPr txBox="1"/>
+          <p:cNvPr id="48" name="CustomShape 7"/>
+          <p:cNvSpPr/>
           <p:nvPr/>
         </p:nvSpPr>
         <p:spPr>
           <a:xfrm>
-            <a:off x="2926080" y="2230560"/>
-            <a:ext cx="424440" cy="346320"/>
+            <a:off x="5029200" y="9733680"/>
+            <a:ext cx="687240" cy="345240"/>
           </a:xfrm>
           <a:prstGeom prst="rect">
             <a:avLst/>
@@ -2376,16 +2193,82 @@
             <a:noFill/>
           </a:ln>
         </p:spPr>
+        <p:style>
+          <a:lnRef idx="0"/>
+          <a:fillRef idx="0"/>
+          <a:effectRef idx="0"/>
+          <a:fontRef idx="minor"/>
+        </p:style>
         <p:txBody>
           <a:bodyPr lIns="90000" rIns="90000" tIns="45000" bIns="45000">
             <a:noAutofit/>
           </a:bodyPr>
           <a:p>
+            <a:pPr>
+              <a:lnSpc>
+                <a:spcPct val="100000"/>
+              </a:lnSpc>
+            </a:pPr>
             <a:r>
               <a:rPr b="0" lang="en-US" sz="1800" spc="-1" strike="noStrike">
-                <a:latin typeface="Arial"/>
-              </a:rPr>
-              <a:t>D</a:t>
+                <a:solidFill>
+                  <a:srgbClr val="000000"/>
+                </a:solidFill>
+                <a:latin typeface="Arial"/>
+                <a:ea typeface="DejaVu Sans"/>
+              </a:rPr>
+              <a:t>MYC</a:t>
+            </a:r>
+            <a:endParaRPr b="0" lang="en-US" sz="1800" spc="-1" strike="noStrike">
+              <a:latin typeface="Arial"/>
+            </a:endParaRPr>
+          </a:p>
+        </p:txBody>
+      </p:sp>
+      <p:sp>
+        <p:nvSpPr>
+          <p:cNvPr id="49" name="CustomShape 8"/>
+          <p:cNvSpPr/>
+          <p:nvPr/>
+        </p:nvSpPr>
+        <p:spPr>
+          <a:xfrm>
+            <a:off x="32760" y="4865760"/>
+            <a:ext cx="423360" cy="345240"/>
+          </a:xfrm>
+          <a:prstGeom prst="rect">
+            <a:avLst/>
+          </a:prstGeom>
+          <a:noFill/>
+          <a:ln>
+            <a:noFill/>
+          </a:ln>
+        </p:spPr>
+        <p:style>
+          <a:lnRef idx="0"/>
+          <a:fillRef idx="0"/>
+          <a:effectRef idx="0"/>
+          <a:fontRef idx="minor"/>
+        </p:style>
+        <p:txBody>
+          <a:bodyPr lIns="90000" rIns="90000" tIns="45000" bIns="45000">
+            <a:noAutofit/>
+          </a:bodyPr>
+          <a:p>
+            <a:pPr>
+              <a:lnSpc>
+                <a:spcPct val="100000"/>
+              </a:lnSpc>
+            </a:pPr>
+            <a:r>
+              <a:rPr b="0" lang="en-US" sz="1800" spc="-1" strike="noStrike">
+                <a:solidFill>
+                  <a:srgbClr val="000000"/>
+                </a:solidFill>
+                <a:latin typeface="Arial"/>
+                <a:ea typeface="DejaVu Sans"/>
+              </a:rPr>
+              <a:t>E</a:t>
             </a:r>
             <a:endParaRPr b="0" lang="en-US" sz="1800" spc="-1" strike="noStrike">
               <a:latin typeface="Arial"/>
@@ -2395,18 +2278,18 @@
       </p:sp>
       <p:pic>
         <p:nvPicPr>
-          <p:cNvPr id="49" name="" descr=""/>
+          <p:cNvPr id="50" name="" descr=""/>
           <p:cNvPicPr/>
           <p:nvPr/>
         </p:nvPicPr>
         <p:blipFill>
-          <a:blip r:embed="rId3"/>
+          <a:blip r:embed="rId5"/>
           <a:stretch/>
         </p:blipFill>
         <p:spPr>
           <a:xfrm>
-            <a:off x="0" y="8448840"/>
-            <a:ext cx="1622160" cy="1622160"/>
+            <a:off x="-12600" y="4836240"/>
+            <a:ext cx="5668560" cy="3429000"/>
           </a:xfrm>
           <a:prstGeom prst="rect">
             <a:avLst/>
@@ -2416,42 +2299,6 @@
           </a:ln>
         </p:spPr>
       </p:pic>
-      <p:sp>
-        <p:nvSpPr>
-          <p:cNvPr id="50" name="TextShape 7"/>
-          <p:cNvSpPr txBox="1"/>
-          <p:nvPr/>
-        </p:nvSpPr>
-        <p:spPr>
-          <a:xfrm>
-            <a:off x="-58680" y="8218440"/>
-            <a:ext cx="424440" cy="376920"/>
-          </a:xfrm>
-          <a:prstGeom prst="rect">
-            <a:avLst/>
-          </a:prstGeom>
-          <a:noFill/>
-          <a:ln>
-            <a:noFill/>
-          </a:ln>
-        </p:spPr>
-        <p:txBody>
-          <a:bodyPr lIns="90000" rIns="90000" tIns="45000" bIns="45000">
-            <a:noAutofit/>
-          </a:bodyPr>
-          <a:p>
-            <a:r>
-              <a:rPr b="0" lang="en-US" sz="1800" spc="-1" strike="noStrike">
-                <a:latin typeface="Arial"/>
-              </a:rPr>
-              <a:t>F</a:t>
-            </a:r>
-            <a:endParaRPr b="0" lang="en-US" sz="1800" spc="-1" strike="noStrike">
-              <a:latin typeface="Arial"/>
-            </a:endParaRPr>
-          </a:p>
-        </p:txBody>
-      </p:sp>
       <p:pic>
         <p:nvPicPr>
           <p:cNvPr id="51" name="" descr=""/>
@@ -2459,13 +2306,14 @@
           <p:nvPr/>
         </p:nvPicPr>
         <p:blipFill>
-          <a:blip r:embed="rId4"/>
+          <a:blip r:embed="rId6"/>
+          <a:srcRect l="25544" t="18258" r="26116" b="24281"/>
           <a:stretch/>
         </p:blipFill>
         <p:spPr>
           <a:xfrm>
-            <a:off x="1133280" y="8448840"/>
-            <a:ext cx="1554480" cy="1554480"/>
+            <a:off x="25200" y="182880"/>
+            <a:ext cx="2900160" cy="2128320"/>
           </a:xfrm>
           <a:prstGeom prst="rect">
             <a:avLst/>
@@ -2482,13 +2330,14 @@
           <p:nvPr/>
         </p:nvPicPr>
         <p:blipFill>
-          <a:blip r:embed="rId5"/>
+          <a:blip r:embed="rId7"/>
+          <a:srcRect l="1366" t="7832" r="60409" b="50371"/>
           <a:stretch/>
         </p:blipFill>
         <p:spPr>
           <a:xfrm>
-            <a:off x="2468880" y="8472960"/>
-            <a:ext cx="1562040" cy="1562040"/>
+            <a:off x="2926440" y="437040"/>
+            <a:ext cx="2708280" cy="1665720"/>
           </a:xfrm>
           <a:prstGeom prst="rect">
             <a:avLst/>
@@ -2498,42 +2347,29 @@
           </a:ln>
         </p:spPr>
       </p:pic>
-      <p:sp>
-        <p:nvSpPr>
-          <p:cNvPr id="53" name="TextShape 8"/>
-          <p:cNvSpPr txBox="1"/>
+      <p:pic>
+        <p:nvPicPr>
+          <p:cNvPr id="53" name="" descr=""/>
+          <p:cNvPicPr/>
           <p:nvPr/>
-        </p:nvSpPr>
-        <p:spPr>
-          <a:xfrm>
-            <a:off x="2148120" y="8249040"/>
-            <a:ext cx="358920" cy="346320"/>
-          </a:xfrm>
-          <a:prstGeom prst="rect">
-            <a:avLst/>
-          </a:prstGeom>
-          <a:noFill/>
+        </p:nvPicPr>
+        <p:blipFill>
+          <a:blip r:embed="rId8"/>
+          <a:stretch/>
+        </p:blipFill>
+        <p:spPr>
+          <a:xfrm>
+            <a:off x="36000" y="2867760"/>
+            <a:ext cx="2925720" cy="1612440"/>
+          </a:xfrm>
+          <a:prstGeom prst="rect">
+            <a:avLst/>
+          </a:prstGeom>
           <a:ln>
             <a:noFill/>
           </a:ln>
         </p:spPr>
-        <p:txBody>
-          <a:bodyPr lIns="90000" rIns="90000" tIns="45000" bIns="45000">
-            <a:noAutofit/>
-          </a:bodyPr>
-          <a:p>
-            <a:r>
-              <a:rPr b="0" lang="en-US" sz="1800" spc="-1" strike="noStrike">
-                <a:latin typeface="Arial"/>
-              </a:rPr>
-              <a:t>G</a:t>
-            </a:r>
-            <a:endParaRPr b="0" lang="en-US" sz="1800" spc="-1" strike="noStrike">
-              <a:latin typeface="Arial"/>
-            </a:endParaRPr>
-          </a:p>
-        </p:txBody>
-      </p:sp>
+      </p:pic>
       <p:pic>
         <p:nvPicPr>
           <p:cNvPr id="54" name="" descr=""/>
@@ -2541,13 +2377,13 @@
           <p:nvPr/>
         </p:nvPicPr>
         <p:blipFill>
-          <a:blip r:embed="rId6"/>
+          <a:blip r:embed="rId9"/>
           <a:stretch/>
         </p:blipFill>
         <p:spPr>
           <a:xfrm>
-            <a:off x="4023360" y="8472960"/>
-            <a:ext cx="1607040" cy="1607040"/>
+            <a:off x="3028680" y="2424600"/>
+            <a:ext cx="2604600" cy="2604600"/>
           </a:xfrm>
           <a:prstGeom prst="rect">
             <a:avLst/>
@@ -2557,92 +2393,21 @@
           </a:ln>
         </p:spPr>
       </p:pic>
-      <p:sp>
-        <p:nvSpPr>
-          <p:cNvPr id="55" name="TextShape 9"/>
-          <p:cNvSpPr txBox="1"/>
-          <p:nvPr/>
-        </p:nvSpPr>
-        <p:spPr>
-          <a:xfrm>
-            <a:off x="5029200" y="9733680"/>
-            <a:ext cx="688320" cy="346320"/>
-          </a:xfrm>
-          <a:prstGeom prst="rect">
-            <a:avLst/>
-          </a:prstGeom>
-          <a:noFill/>
-          <a:ln>
-            <a:noFill/>
-          </a:ln>
-        </p:spPr>
-        <p:txBody>
-          <a:bodyPr lIns="90000" rIns="90000" tIns="45000" bIns="45000">
-            <a:noAutofit/>
-          </a:bodyPr>
-          <a:p>
-            <a:r>
-              <a:rPr b="0" lang="en-US" sz="1800" spc="-1" strike="noStrike">
-                <a:latin typeface="Arial"/>
-              </a:rPr>
-              <a:t>MYC</a:t>
-            </a:r>
-            <a:endParaRPr b="0" lang="en-US" sz="1800" spc="-1" strike="noStrike">
-              <a:latin typeface="Arial"/>
-            </a:endParaRPr>
-          </a:p>
-        </p:txBody>
-      </p:sp>
-      <p:sp>
-        <p:nvSpPr>
-          <p:cNvPr id="56" name="TextShape 10"/>
-          <p:cNvSpPr txBox="1"/>
-          <p:nvPr/>
-        </p:nvSpPr>
-        <p:spPr>
-          <a:xfrm>
-            <a:off x="32760" y="4865760"/>
-            <a:ext cx="424440" cy="346320"/>
-          </a:xfrm>
-          <a:prstGeom prst="rect">
-            <a:avLst/>
-          </a:prstGeom>
-          <a:noFill/>
-          <a:ln>
-            <a:noFill/>
-          </a:ln>
-        </p:spPr>
-        <p:txBody>
-          <a:bodyPr lIns="90000" rIns="90000" tIns="45000" bIns="45000">
-            <a:noAutofit/>
-          </a:bodyPr>
-          <a:p>
-            <a:r>
-              <a:rPr b="0" lang="en-US" sz="1800" spc="-1" strike="noStrike">
-                <a:latin typeface="Arial"/>
-              </a:rPr>
-              <a:t>E</a:t>
-            </a:r>
-            <a:endParaRPr b="0" lang="en-US" sz="1800" spc="-1" strike="noStrike">
-              <a:latin typeface="Arial"/>
-            </a:endParaRPr>
-          </a:p>
-        </p:txBody>
-      </p:sp>
       <p:pic>
         <p:nvPicPr>
-          <p:cNvPr id="57" name="" descr=""/>
+          <p:cNvPr id="55" name="" descr=""/>
           <p:cNvPicPr/>
           <p:nvPr/>
         </p:nvPicPr>
         <p:blipFill>
-          <a:blip r:embed="rId7"/>
+          <a:blip r:embed="rId10"/>
+          <a:srcRect l="0" t="0" r="53370" b="30396"/>
           <a:stretch/>
         </p:blipFill>
         <p:spPr>
           <a:xfrm>
-            <a:off x="-12600" y="4836240"/>
-            <a:ext cx="5669640" cy="3430080"/>
+            <a:off x="3749040" y="3566160"/>
+            <a:ext cx="1512720" cy="1270080"/>
           </a:xfrm>
           <a:prstGeom prst="rect">
             <a:avLst/>
